--- a/Documents/TeamBoltOneSlide.pptx
+++ b/Documents/TeamBoltOneSlide.pptx
@@ -1,28 +1,28 @@
 
 <file path=ppt/presentation.xml><?xml version="1.0" encoding="utf-8"?>
-<p:presentation xmlns:a="http://schemas.openxmlformats.org/drawingml/2006/main" xmlns:r="http://schemas.openxmlformats.org/officeDocument/2006/relationships" xmlns:mc="http://schemas.openxmlformats.org/markup-compatibility/2006" xmlns:mv="urn:schemas-microsoft-com:mac:vml" xmlns:p="http://schemas.openxmlformats.org/presentationml/2006/main" xmlns:c="http://schemas.openxmlformats.org/drawingml/2006/chart" xmlns:dgm="http://schemas.openxmlformats.org/drawingml/2006/diagram" xmlns:o="urn:schemas-microsoft-com:office:office" xmlns:v="urn:schemas-microsoft-com:vml" xmlns:pvml="urn:schemas-microsoft-com:office:powerpoint" xmlns:com="http://schemas.openxmlformats.org/drawingml/2006/compatibility" xmlns:p14="http://schemas.microsoft.com/office/powerpoint/2010/main" xmlns:p15="http://schemas.microsoft.com/office/powerpoint/2012/main" autoCompressPictures="0" embedTrueTypeFonts="1" strictFirstAndLastChars="0" saveSubsetFonts="1">
+<p:presentation xmlns:a="http://schemas.openxmlformats.org/drawingml/2006/main" xmlns:r="http://schemas.openxmlformats.org/officeDocument/2006/relationships" xmlns:p="http://schemas.openxmlformats.org/presentationml/2006/main" strictFirstAndLastChars="0" embedTrueTypeFonts="1" saveSubsetFonts="1" autoCompressPictures="0">
   <p:sldMasterIdLst>
-    <p:sldMasterId id="2147483659" r:id="rId3"/>
+    <p:sldMasterId id="2147483659" r:id="rId1"/>
   </p:sldMasterIdLst>
   <p:notesMasterIdLst>
-    <p:notesMasterId r:id="rId4"/>
+    <p:notesMasterId r:id="rId3"/>
   </p:notesMasterIdLst>
   <p:sldIdLst>
-    <p:sldId id="256" r:id="rId5"/>
+    <p:sldId id="256" r:id="rId2"/>
   </p:sldIdLst>
-  <p:sldSz cy="5143500" cx="9144000"/>
+  <p:sldSz cx="9144000" cy="5143500" type="screen16x9"/>
   <p:notesSz cx="6858000" cy="9144000"/>
   <p:embeddedFontLst>
     <p:embeddedFont>
-      <p:font typeface="Raleway"/>
-      <p:regular r:id="rId6"/>
-      <p:bold r:id="rId7"/>
-      <p:italic r:id="rId8"/>
-      <p:boldItalic r:id="rId9"/>
+      <p:font typeface="Raleway" panose="020B0604020202020204" charset="0"/>
+      <p:regular r:id="rId4"/>
+      <p:bold r:id="rId5"/>
+      <p:italic r:id="rId6"/>
+      <p:boldItalic r:id="rId7"/>
     </p:embeddedFont>
   </p:embeddedFontLst>
   <p:defaultTextStyle>
-    <a:defPPr lvl="0" marR="0" rtl="0" algn="l">
+    <a:defPPr marR="0" lvl="0" algn="l" rtl="0">
       <a:lnSpc>
         <a:spcPct val="100000"/>
       </a:lnSpc>
@@ -33,7 +33,7 @@
         <a:spcPts val="0"/>
       </a:spcAft>
     </a:defPPr>
-    <a:lvl1pPr lvl="0" marR="0" rtl="0" algn="l">
+    <a:lvl1pPr marR="0" lvl="0" algn="l" rtl="0">
       <a:lnSpc>
         <a:spcPct val="100000"/>
       </a:lnSpc>
@@ -47,7 +47,7 @@
         <a:srgbClr val="000000"/>
       </a:buClr>
       <a:buFont typeface="Arial"/>
-      <a:defRPr b="0" i="0" sz="1400" u="none" cap="none" strike="noStrike">
+      <a:defRPr sz="1400" b="0" i="0" u="none" strike="noStrike" cap="none">
         <a:solidFill>
           <a:srgbClr val="000000"/>
         </a:solidFill>
@@ -57,7 +57,7 @@
         <a:sym typeface="Arial"/>
       </a:defRPr>
     </a:lvl1pPr>
-    <a:lvl2pPr lvl="1" marR="0" rtl="0" algn="l">
+    <a:lvl2pPr marR="0" lvl="1" algn="l" rtl="0">
       <a:lnSpc>
         <a:spcPct val="100000"/>
       </a:lnSpc>
@@ -71,7 +71,7 @@
         <a:srgbClr val="000000"/>
       </a:buClr>
       <a:buFont typeface="Arial"/>
-      <a:defRPr b="0" i="0" sz="1400" u="none" cap="none" strike="noStrike">
+      <a:defRPr sz="1400" b="0" i="0" u="none" strike="noStrike" cap="none">
         <a:solidFill>
           <a:srgbClr val="000000"/>
         </a:solidFill>
@@ -81,7 +81,7 @@
         <a:sym typeface="Arial"/>
       </a:defRPr>
     </a:lvl2pPr>
-    <a:lvl3pPr lvl="2" marR="0" rtl="0" algn="l">
+    <a:lvl3pPr marR="0" lvl="2" algn="l" rtl="0">
       <a:lnSpc>
         <a:spcPct val="100000"/>
       </a:lnSpc>
@@ -95,7 +95,7 @@
         <a:srgbClr val="000000"/>
       </a:buClr>
       <a:buFont typeface="Arial"/>
-      <a:defRPr b="0" i="0" sz="1400" u="none" cap="none" strike="noStrike">
+      <a:defRPr sz="1400" b="0" i="0" u="none" strike="noStrike" cap="none">
         <a:solidFill>
           <a:srgbClr val="000000"/>
         </a:solidFill>
@@ -105,7 +105,7 @@
         <a:sym typeface="Arial"/>
       </a:defRPr>
     </a:lvl3pPr>
-    <a:lvl4pPr lvl="3" marR="0" rtl="0" algn="l">
+    <a:lvl4pPr marR="0" lvl="3" algn="l" rtl="0">
       <a:lnSpc>
         <a:spcPct val="100000"/>
       </a:lnSpc>
@@ -119,7 +119,7 @@
         <a:srgbClr val="000000"/>
       </a:buClr>
       <a:buFont typeface="Arial"/>
-      <a:defRPr b="0" i="0" sz="1400" u="none" cap="none" strike="noStrike">
+      <a:defRPr sz="1400" b="0" i="0" u="none" strike="noStrike" cap="none">
         <a:solidFill>
           <a:srgbClr val="000000"/>
         </a:solidFill>
@@ -129,7 +129,7 @@
         <a:sym typeface="Arial"/>
       </a:defRPr>
     </a:lvl4pPr>
-    <a:lvl5pPr lvl="4" marR="0" rtl="0" algn="l">
+    <a:lvl5pPr marR="0" lvl="4" algn="l" rtl="0">
       <a:lnSpc>
         <a:spcPct val="100000"/>
       </a:lnSpc>
@@ -143,7 +143,7 @@
         <a:srgbClr val="000000"/>
       </a:buClr>
       <a:buFont typeface="Arial"/>
-      <a:defRPr b="0" i="0" sz="1400" u="none" cap="none" strike="noStrike">
+      <a:defRPr sz="1400" b="0" i="0" u="none" strike="noStrike" cap="none">
         <a:solidFill>
           <a:srgbClr val="000000"/>
         </a:solidFill>
@@ -153,7 +153,7 @@
         <a:sym typeface="Arial"/>
       </a:defRPr>
     </a:lvl5pPr>
-    <a:lvl6pPr lvl="5" marR="0" rtl="0" algn="l">
+    <a:lvl6pPr marR="0" lvl="5" algn="l" rtl="0">
       <a:lnSpc>
         <a:spcPct val="100000"/>
       </a:lnSpc>
@@ -167,7 +167,7 @@
         <a:srgbClr val="000000"/>
       </a:buClr>
       <a:buFont typeface="Arial"/>
-      <a:defRPr b="0" i="0" sz="1400" u="none" cap="none" strike="noStrike">
+      <a:defRPr sz="1400" b="0" i="0" u="none" strike="noStrike" cap="none">
         <a:solidFill>
           <a:srgbClr val="000000"/>
         </a:solidFill>
@@ -177,7 +177,7 @@
         <a:sym typeface="Arial"/>
       </a:defRPr>
     </a:lvl6pPr>
-    <a:lvl7pPr lvl="6" marR="0" rtl="0" algn="l">
+    <a:lvl7pPr marR="0" lvl="6" algn="l" rtl="0">
       <a:lnSpc>
         <a:spcPct val="100000"/>
       </a:lnSpc>
@@ -191,7 +191,7 @@
         <a:srgbClr val="000000"/>
       </a:buClr>
       <a:buFont typeface="Arial"/>
-      <a:defRPr b="0" i="0" sz="1400" u="none" cap="none" strike="noStrike">
+      <a:defRPr sz="1400" b="0" i="0" u="none" strike="noStrike" cap="none">
         <a:solidFill>
           <a:srgbClr val="000000"/>
         </a:solidFill>
@@ -201,7 +201,7 @@
         <a:sym typeface="Arial"/>
       </a:defRPr>
     </a:lvl7pPr>
-    <a:lvl8pPr lvl="7" marR="0" rtl="0" algn="l">
+    <a:lvl8pPr marR="0" lvl="7" algn="l" rtl="0">
       <a:lnSpc>
         <a:spcPct val="100000"/>
       </a:lnSpc>
@@ -215,7 +215,7 @@
         <a:srgbClr val="000000"/>
       </a:buClr>
       <a:buFont typeface="Arial"/>
-      <a:defRPr b="0" i="0" sz="1400" u="none" cap="none" strike="noStrike">
+      <a:defRPr sz="1400" b="0" i="0" u="none" strike="noStrike" cap="none">
         <a:solidFill>
           <a:srgbClr val="000000"/>
         </a:solidFill>
@@ -225,7 +225,7 @@
         <a:sym typeface="Arial"/>
       </a:defRPr>
     </a:lvl8pPr>
-    <a:lvl9pPr lvl="8" marR="0" rtl="0" algn="l">
+    <a:lvl9pPr marR="0" lvl="8" algn="l" rtl="0">
       <a:lnSpc>
         <a:spcPct val="100000"/>
       </a:lnSpc>
@@ -239,7 +239,7 @@
         <a:srgbClr val="000000"/>
       </a:buClr>
       <a:buFont typeface="Arial"/>
-      <a:defRPr b="0" i="0" sz="1400" u="none" cap="none" strike="noStrike">
+      <a:defRPr sz="1400" b="0" i="0" u="none" strike="noStrike" cap="none">
         <a:solidFill>
           <a:srgbClr val="000000"/>
         </a:solidFill>
@@ -253,12 +253,46 @@
 </p:presentation>
 </file>
 
+<file path=ppt/changesInfos/changesInfo1.xml><?xml version="1.0" encoding="utf-8"?>
+<pc:chgInfo xmlns:a="http://schemas.openxmlformats.org/drawingml/2006/main" xmlns:r="http://schemas.openxmlformats.org/officeDocument/2006/relationships" xmlns:ac="http://schemas.microsoft.com/office/drawing/2013/main/command" xmlns:pc="http://schemas.microsoft.com/office/powerpoint/2013/main/command">
+  <pc:docChgLst>
+    <pc:chgData name="Evelyn Huang" userId="5f24ff871d6829d7" providerId="LiveId" clId="{73693437-59D7-4692-B5A5-522E0C010C03}"/>
+    <pc:docChg chg="undo modSld">
+      <pc:chgData name="Evelyn Huang" userId="5f24ff871d6829d7" providerId="LiveId" clId="{73693437-59D7-4692-B5A5-522E0C010C03}" dt="2018-12-07T23:07:19.067" v="34" actId="20577"/>
+      <pc:docMkLst>
+        <pc:docMk/>
+      </pc:docMkLst>
+      <pc:sldChg chg="modSp">
+        <pc:chgData name="Evelyn Huang" userId="5f24ff871d6829d7" providerId="LiveId" clId="{73693437-59D7-4692-B5A5-522E0C010C03}" dt="2018-12-07T23:07:19.067" v="34" actId="20577"/>
+        <pc:sldMkLst>
+          <pc:docMk/>
+          <pc:sldMk cId="0" sldId="256"/>
+        </pc:sldMkLst>
+        <pc:spChg chg="mod">
+          <ac:chgData name="Evelyn Huang" userId="5f24ff871d6829d7" providerId="LiveId" clId="{73693437-59D7-4692-B5A5-522E0C010C03}" dt="2018-12-07T23:07:19.067" v="34" actId="20577"/>
+          <ac:spMkLst>
+            <pc:docMk/>
+            <pc:sldMk cId="0" sldId="256"/>
+            <ac:spMk id="56" creationId="{00000000-0000-0000-0000-000000000000}"/>
+          </ac:spMkLst>
+        </pc:spChg>
+      </pc:sldChg>
+    </pc:docChg>
+  </pc:docChgLst>
+</pc:chgInfo>
+</file>
+
 <file path=ppt/notesMasters/notesMaster1.xml><?xml version="1.0" encoding="utf-8"?>
-<p:notesMaster xmlns:a="http://schemas.openxmlformats.org/drawingml/2006/main" xmlns:r="http://schemas.openxmlformats.org/officeDocument/2006/relationships" xmlns:mc="http://schemas.openxmlformats.org/markup-compatibility/2006" xmlns:mv="urn:schemas-microsoft-com:mac:vml" xmlns:p="http://schemas.openxmlformats.org/presentationml/2006/main" xmlns:c="http://schemas.openxmlformats.org/drawingml/2006/chart" xmlns:dgm="http://schemas.openxmlformats.org/drawingml/2006/diagram" xmlns:o="urn:schemas-microsoft-com:office:office" xmlns:v="urn:schemas-microsoft-com:vml" xmlns:pvml="urn:schemas-microsoft-com:office:powerpoint" xmlns:com="http://schemas.openxmlformats.org/drawingml/2006/compatibility" xmlns:p14="http://schemas.microsoft.com/office/powerpoint/2010/main" xmlns:p15="http://schemas.microsoft.com/office/powerpoint/2012/main">
+<p:notesMaster xmlns:a="http://schemas.openxmlformats.org/drawingml/2006/main" xmlns:r="http://schemas.openxmlformats.org/officeDocument/2006/relationships" xmlns:p="http://schemas.openxmlformats.org/presentationml/2006/main">
   <p:cSld>
+    <p:bg>
+      <p:bgRef idx="1001">
+        <a:schemeClr val="bg1"/>
+      </p:bgRef>
+    </p:bg>
     <p:spTree>
       <p:nvGrpSpPr>
-        <p:cNvPr id="2" name="Shape 2"/>
+        <p:cNvPr id="1" name="Shape 2"/>
         <p:cNvGrpSpPr/>
         <p:nvPr/>
       </p:nvGrpSpPr>
@@ -273,9 +307,11 @@
       <p:sp>
         <p:nvSpPr>
           <p:cNvPr id="3" name="Google Shape;3;n"/>
-          <p:cNvSpPr/>
+          <p:cNvSpPr>
+            <a:spLocks noGrp="1" noRot="1" noChangeAspect="1"/>
+          </p:cNvSpPr>
           <p:nvPr>
-            <p:ph idx="2" type="sldImg"/>
+            <p:ph type="sldImg" idx="2"/>
           </p:nvPr>
         </p:nvSpPr>
         <p:spPr>
@@ -284,9 +320,13 @@
             <a:ext cx="6096075" cy="3429000"/>
           </a:xfrm>
           <a:custGeom>
-            <a:rect b="b" l="l" r="r" t="t"/>
+            <a:avLst/>
+            <a:gdLst/>
+            <a:ahLst/>
+            <a:cxnLst/>
+            <a:rect l="l" t="t" r="r" b="b"/>
             <a:pathLst>
-              <a:path extrusionOk="0" h="120000" w="120000">
+              <a:path w="120000" h="120000" extrusionOk="0">
                 <a:moveTo>
                   <a:pt x="0" y="0"/>
                 </a:moveTo>
@@ -304,23 +344,25 @@
             </a:pathLst>
           </a:custGeom>
           <a:noFill/>
-          <a:ln cap="flat" cmpd="sng" w="9525">
+          <a:ln w="9525" cap="flat" cmpd="sng">
             <a:solidFill>
               <a:srgbClr val="000000"/>
             </a:solidFill>
             <a:prstDash val="solid"/>
             <a:round/>
-            <a:headEnd len="sm" w="sm" type="none"/>
-            <a:tailEnd len="sm" w="sm" type="none"/>
+            <a:headEnd type="none" w="sm" len="sm"/>
+            <a:tailEnd type="none" w="sm" len="sm"/>
           </a:ln>
         </p:spPr>
       </p:sp>
       <p:sp>
         <p:nvSpPr>
           <p:cNvPr id="4" name="Google Shape;4;n"/>
-          <p:cNvSpPr txBox="1"/>
+          <p:cNvSpPr txBox="1">
+            <a:spLocks noGrp="1"/>
+          </p:cNvSpPr>
           <p:nvPr>
-            <p:ph idx="1" type="body"/>
+            <p:ph type="body" idx="1"/>
           </p:nvPr>
         </p:nvSpPr>
         <p:spPr>
@@ -337,9 +379,9 @@
           </a:ln>
         </p:spPr>
         <p:txBody>
-          <a:bodyPr anchorCtr="0" anchor="t" bIns="91425" lIns="91425" spcFirstLastPara="1" rIns="91425" wrap="square" tIns="91425"/>
+          <a:bodyPr spcFirstLastPara="1" wrap="square" lIns="91425" tIns="91425" rIns="91425" bIns="91425" anchor="t" anchorCtr="0"/>
           <a:lstStyle>
-            <a:lvl1pPr indent="-298450" lvl="0" marL="457200">
+            <a:lvl1pPr marL="457200" lvl="0" indent="-298450">
               <a:spcBef>
                 <a:spcPts val="0"/>
               </a:spcBef>
@@ -350,7 +392,7 @@
               <a:buChar char="●"/>
               <a:defRPr sz="1100"/>
             </a:lvl1pPr>
-            <a:lvl2pPr indent="-298450" lvl="1" marL="914400">
+            <a:lvl2pPr marL="914400" lvl="1" indent="-298450">
               <a:spcBef>
                 <a:spcPts val="0"/>
               </a:spcBef>
@@ -361,7 +403,7 @@
               <a:buChar char="○"/>
               <a:defRPr sz="1100"/>
             </a:lvl2pPr>
-            <a:lvl3pPr indent="-298450" lvl="2" marL="1371600">
+            <a:lvl3pPr marL="1371600" lvl="2" indent="-298450">
               <a:spcBef>
                 <a:spcPts val="0"/>
               </a:spcBef>
@@ -372,7 +414,7 @@
               <a:buChar char="■"/>
               <a:defRPr sz="1100"/>
             </a:lvl3pPr>
-            <a:lvl4pPr indent="-298450" lvl="3" marL="1828800">
+            <a:lvl4pPr marL="1828800" lvl="3" indent="-298450">
               <a:spcBef>
                 <a:spcPts val="0"/>
               </a:spcBef>
@@ -383,7 +425,7 @@
               <a:buChar char="●"/>
               <a:defRPr sz="1100"/>
             </a:lvl4pPr>
-            <a:lvl5pPr indent="-298450" lvl="4" marL="2286000">
+            <a:lvl5pPr marL="2286000" lvl="4" indent="-298450">
               <a:spcBef>
                 <a:spcPts val="0"/>
               </a:spcBef>
@@ -394,7 +436,7 @@
               <a:buChar char="○"/>
               <a:defRPr sz="1100"/>
             </a:lvl5pPr>
-            <a:lvl6pPr indent="-298450" lvl="5" marL="2743200">
+            <a:lvl6pPr marL="2743200" lvl="5" indent="-298450">
               <a:spcBef>
                 <a:spcPts val="0"/>
               </a:spcBef>
@@ -405,7 +447,7 @@
               <a:buChar char="■"/>
               <a:defRPr sz="1100"/>
             </a:lvl6pPr>
-            <a:lvl7pPr indent="-298450" lvl="6" marL="3200400">
+            <a:lvl7pPr marL="3200400" lvl="6" indent="-298450">
               <a:spcBef>
                 <a:spcPts val="0"/>
               </a:spcBef>
@@ -416,7 +458,7 @@
               <a:buChar char="●"/>
               <a:defRPr sz="1100"/>
             </a:lvl7pPr>
-            <a:lvl8pPr indent="-298450" lvl="7" marL="3657600">
+            <a:lvl8pPr marL="3657600" lvl="7" indent="-298450">
               <a:spcBef>
                 <a:spcPts val="0"/>
               </a:spcBef>
@@ -427,7 +469,7 @@
               <a:buChar char="○"/>
               <a:defRPr sz="1100"/>
             </a:lvl8pPr>
-            <a:lvl9pPr indent="-298450" lvl="8" marL="4114800">
+            <a:lvl9pPr marL="4114800" lvl="8" indent="-298450">
               <a:spcBef>
                 <a:spcPts val="0"/>
               </a:spcBef>
@@ -439,14 +481,16 @@
               <a:defRPr sz="1100"/>
             </a:lvl9pPr>
           </a:lstStyle>
-          <a:p/>
+          <a:p>
+            <a:endParaRPr/>
+          </a:p>
         </p:txBody>
       </p:sp>
     </p:spTree>
   </p:cSld>
-  <p:clrMap accent1="accent1" accent2="accent2" accent3="accent3" accent4="accent4" accent5="accent5" accent6="accent6" bg1="lt1" bg2="dk2" tx1="dk1" tx2="lt2" folHlink="folHlink" hlink="hlink"/>
+  <p:clrMap bg1="lt1" tx1="dk1" bg2="dk2" tx2="lt2" accent1="accent1" accent2="accent2" accent3="accent3" accent4="accent4" accent5="accent5" accent6="accent6" hlink="hlink" folHlink="folHlink"/>
   <p:notesStyle>
-    <a:defPPr lvl="0" marR="0" rtl="0" algn="l">
+    <a:defPPr marR="0" lvl="0" algn="l" rtl="0">
       <a:lnSpc>
         <a:spcPct val="100000"/>
       </a:lnSpc>
@@ -457,7 +501,7 @@
         <a:spcPts val="0"/>
       </a:spcAft>
     </a:defPPr>
-    <a:lvl1pPr lvl="0" marR="0" rtl="0" algn="l">
+    <a:lvl1pPr marR="0" lvl="0" algn="l" rtl="0">
       <a:lnSpc>
         <a:spcPct val="100000"/>
       </a:lnSpc>
@@ -471,7 +515,7 @@
         <a:srgbClr val="000000"/>
       </a:buClr>
       <a:buFont typeface="Arial"/>
-      <a:defRPr b="0" i="0" sz="1400" u="none" cap="none" strike="noStrike">
+      <a:defRPr sz="1400" b="0" i="0" u="none" strike="noStrike" cap="none">
         <a:solidFill>
           <a:srgbClr val="000000"/>
         </a:solidFill>
@@ -481,7 +525,7 @@
         <a:sym typeface="Arial"/>
       </a:defRPr>
     </a:lvl1pPr>
-    <a:lvl2pPr lvl="1" marR="0" rtl="0" algn="l">
+    <a:lvl2pPr marR="0" lvl="1" algn="l" rtl="0">
       <a:lnSpc>
         <a:spcPct val="100000"/>
       </a:lnSpc>
@@ -495,7 +539,7 @@
         <a:srgbClr val="000000"/>
       </a:buClr>
       <a:buFont typeface="Arial"/>
-      <a:defRPr b="0" i="0" sz="1400" u="none" cap="none" strike="noStrike">
+      <a:defRPr sz="1400" b="0" i="0" u="none" strike="noStrike" cap="none">
         <a:solidFill>
           <a:srgbClr val="000000"/>
         </a:solidFill>
@@ -505,7 +549,7 @@
         <a:sym typeface="Arial"/>
       </a:defRPr>
     </a:lvl2pPr>
-    <a:lvl3pPr lvl="2" marR="0" rtl="0" algn="l">
+    <a:lvl3pPr marR="0" lvl="2" algn="l" rtl="0">
       <a:lnSpc>
         <a:spcPct val="100000"/>
       </a:lnSpc>
@@ -519,7 +563,7 @@
         <a:srgbClr val="000000"/>
       </a:buClr>
       <a:buFont typeface="Arial"/>
-      <a:defRPr b="0" i="0" sz="1400" u="none" cap="none" strike="noStrike">
+      <a:defRPr sz="1400" b="0" i="0" u="none" strike="noStrike" cap="none">
         <a:solidFill>
           <a:srgbClr val="000000"/>
         </a:solidFill>
@@ -529,7 +573,7 @@
         <a:sym typeface="Arial"/>
       </a:defRPr>
     </a:lvl3pPr>
-    <a:lvl4pPr lvl="3" marR="0" rtl="0" algn="l">
+    <a:lvl4pPr marR="0" lvl="3" algn="l" rtl="0">
       <a:lnSpc>
         <a:spcPct val="100000"/>
       </a:lnSpc>
@@ -543,7 +587,7 @@
         <a:srgbClr val="000000"/>
       </a:buClr>
       <a:buFont typeface="Arial"/>
-      <a:defRPr b="0" i="0" sz="1400" u="none" cap="none" strike="noStrike">
+      <a:defRPr sz="1400" b="0" i="0" u="none" strike="noStrike" cap="none">
         <a:solidFill>
           <a:srgbClr val="000000"/>
         </a:solidFill>
@@ -553,7 +597,7 @@
         <a:sym typeface="Arial"/>
       </a:defRPr>
     </a:lvl4pPr>
-    <a:lvl5pPr lvl="4" marR="0" rtl="0" algn="l">
+    <a:lvl5pPr marR="0" lvl="4" algn="l" rtl="0">
       <a:lnSpc>
         <a:spcPct val="100000"/>
       </a:lnSpc>
@@ -567,7 +611,7 @@
         <a:srgbClr val="000000"/>
       </a:buClr>
       <a:buFont typeface="Arial"/>
-      <a:defRPr b="0" i="0" sz="1400" u="none" cap="none" strike="noStrike">
+      <a:defRPr sz="1400" b="0" i="0" u="none" strike="noStrike" cap="none">
         <a:solidFill>
           <a:srgbClr val="000000"/>
         </a:solidFill>
@@ -577,7 +621,7 @@
         <a:sym typeface="Arial"/>
       </a:defRPr>
     </a:lvl5pPr>
-    <a:lvl6pPr lvl="5" marR="0" rtl="0" algn="l">
+    <a:lvl6pPr marR="0" lvl="5" algn="l" rtl="0">
       <a:lnSpc>
         <a:spcPct val="100000"/>
       </a:lnSpc>
@@ -591,7 +635,7 @@
         <a:srgbClr val="000000"/>
       </a:buClr>
       <a:buFont typeface="Arial"/>
-      <a:defRPr b="0" i="0" sz="1400" u="none" cap="none" strike="noStrike">
+      <a:defRPr sz="1400" b="0" i="0" u="none" strike="noStrike" cap="none">
         <a:solidFill>
           <a:srgbClr val="000000"/>
         </a:solidFill>
@@ -601,7 +645,7 @@
         <a:sym typeface="Arial"/>
       </a:defRPr>
     </a:lvl6pPr>
-    <a:lvl7pPr lvl="6" marR="0" rtl="0" algn="l">
+    <a:lvl7pPr marR="0" lvl="6" algn="l" rtl="0">
       <a:lnSpc>
         <a:spcPct val="100000"/>
       </a:lnSpc>
@@ -615,7 +659,7 @@
         <a:srgbClr val="000000"/>
       </a:buClr>
       <a:buFont typeface="Arial"/>
-      <a:defRPr b="0" i="0" sz="1400" u="none" cap="none" strike="noStrike">
+      <a:defRPr sz="1400" b="0" i="0" u="none" strike="noStrike" cap="none">
         <a:solidFill>
           <a:srgbClr val="000000"/>
         </a:solidFill>
@@ -625,7 +669,7 @@
         <a:sym typeface="Arial"/>
       </a:defRPr>
     </a:lvl7pPr>
-    <a:lvl8pPr lvl="7" marR="0" rtl="0" algn="l">
+    <a:lvl8pPr marR="0" lvl="7" algn="l" rtl="0">
       <a:lnSpc>
         <a:spcPct val="100000"/>
       </a:lnSpc>
@@ -639,7 +683,7 @@
         <a:srgbClr val="000000"/>
       </a:buClr>
       <a:buFont typeface="Arial"/>
-      <a:defRPr b="0" i="0" sz="1400" u="none" cap="none" strike="noStrike">
+      <a:defRPr sz="1400" b="0" i="0" u="none" strike="noStrike" cap="none">
         <a:solidFill>
           <a:srgbClr val="000000"/>
         </a:solidFill>
@@ -649,7 +693,7 @@
         <a:sym typeface="Arial"/>
       </a:defRPr>
     </a:lvl8pPr>
-    <a:lvl9pPr lvl="8" marR="0" rtl="0" algn="l">
+    <a:lvl9pPr marR="0" lvl="8" algn="l" rtl="0">
       <a:lnSpc>
         <a:spcPct val="100000"/>
       </a:lnSpc>
@@ -663,7 +707,7 @@
         <a:srgbClr val="000000"/>
       </a:buClr>
       <a:buFont typeface="Arial"/>
-      <a:defRPr b="0" i="0" sz="1400" u="none" cap="none" strike="noStrike">
+      <a:defRPr sz="1400" b="0" i="0" u="none" strike="noStrike" cap="none">
         <a:solidFill>
           <a:srgbClr val="000000"/>
         </a:solidFill>
@@ -678,11 +722,11 @@
 </file>
 
 <file path=ppt/notesSlides/notesSlide1.xml><?xml version="1.0" encoding="utf-8"?>
-<p:notes xmlns:a="http://schemas.openxmlformats.org/drawingml/2006/main" xmlns:r="http://schemas.openxmlformats.org/officeDocument/2006/relationships" xmlns:mc="http://schemas.openxmlformats.org/markup-compatibility/2006" xmlns:mv="urn:schemas-microsoft-com:mac:vml" xmlns:p="http://schemas.openxmlformats.org/presentationml/2006/main" xmlns:c="http://schemas.openxmlformats.org/drawingml/2006/chart" xmlns:dgm="http://schemas.openxmlformats.org/drawingml/2006/diagram" xmlns:o="urn:schemas-microsoft-com:office:office" xmlns:v="urn:schemas-microsoft-com:vml" xmlns:pvml="urn:schemas-microsoft-com:office:powerpoint" xmlns:com="http://schemas.openxmlformats.org/drawingml/2006/compatibility" xmlns:p14="http://schemas.microsoft.com/office/powerpoint/2010/main" xmlns:p15="http://schemas.microsoft.com/office/powerpoint/2012/main" showMasterPhAnim="0" showMasterSp="0">
+<p:notes xmlns:a="http://schemas.openxmlformats.org/drawingml/2006/main" xmlns:r="http://schemas.openxmlformats.org/officeDocument/2006/relationships" xmlns:p="http://schemas.openxmlformats.org/presentationml/2006/main" showMasterSp="0" showMasterPhAnim="0">
   <p:cSld>
     <p:spTree>
       <p:nvGrpSpPr>
-        <p:cNvPr id="50" name="Shape 50"/>
+        <p:cNvPr id="1" name="Shape 50"/>
         <p:cNvGrpSpPr/>
         <p:nvPr/>
       </p:nvGrpSpPr>
@@ -697,20 +741,26 @@
       <p:sp>
         <p:nvSpPr>
           <p:cNvPr id="51" name="Google Shape;51;g33b058e52c_0_0:notes"/>
-          <p:cNvSpPr/>
+          <p:cNvSpPr>
+            <a:spLocks noGrp="1" noRot="1" noChangeAspect="1"/>
+          </p:cNvSpPr>
           <p:nvPr>
-            <p:ph idx="2" type="sldImg"/>
+            <p:ph type="sldImg" idx="2"/>
           </p:nvPr>
         </p:nvSpPr>
         <p:spPr>
           <a:xfrm>
-            <a:off x="381300" y="685800"/>
+            <a:off x="381000" y="685800"/>
             <a:ext cx="6096000" cy="3429000"/>
           </a:xfrm>
           <a:custGeom>
-            <a:rect b="b" l="l" r="r" t="t"/>
+            <a:avLst/>
+            <a:gdLst/>
+            <a:ahLst/>
+            <a:cxnLst/>
+            <a:rect l="l" t="t" r="r" b="b"/>
             <a:pathLst>
-              <a:path extrusionOk="0" h="120000" w="120000">
+              <a:path w="120000" h="120000" extrusionOk="0">
                 <a:moveTo>
                   <a:pt x="0" y="0"/>
                 </a:moveTo>
@@ -732,9 +782,11 @@
       <p:sp>
         <p:nvSpPr>
           <p:cNvPr id="52" name="Google Shape;52;g33b058e52c_0_0:notes"/>
-          <p:cNvSpPr txBox="1"/>
+          <p:cNvSpPr txBox="1">
+            <a:spLocks noGrp="1"/>
+          </p:cNvSpPr>
           <p:nvPr>
-            <p:ph idx="1" type="body"/>
+            <p:ph type="body" idx="1"/>
           </p:nvPr>
         </p:nvSpPr>
         <p:spPr>
@@ -747,12 +799,12 @@
           </a:prstGeom>
         </p:spPr>
         <p:txBody>
-          <a:bodyPr anchorCtr="0" anchor="t" bIns="91425" lIns="91425" spcFirstLastPara="1" rIns="91425" wrap="square" tIns="91425">
+          <a:bodyPr spcFirstLastPara="1" wrap="square" lIns="91425" tIns="91425" rIns="91425" bIns="91425" anchor="t" anchorCtr="0">
             <a:noAutofit/>
           </a:bodyPr>
           <a:lstStyle/>
           <a:p>
-            <a:pPr indent="0" lvl="0" marL="0" rtl="0" algn="l">
+            <a:pPr marL="0" lvl="0" indent="0" algn="l" rtl="0">
               <a:spcBef>
                 <a:spcPts val="0"/>
               </a:spcBef>
@@ -761,9 +813,6 @@
               </a:spcAft>
               <a:buNone/>
             </a:pPr>
-            <a:r>
-              <a:t/>
-            </a:r>
             <a:endParaRPr/>
           </a:p>
         </p:txBody>
@@ -777,11 +826,11 @@
 </file>
 
 <file path=ppt/slideLayouts/slideLayout1.xml><?xml version="1.0" encoding="utf-8"?>
-<p:sldLayout xmlns:a="http://schemas.openxmlformats.org/drawingml/2006/main" xmlns:r="http://schemas.openxmlformats.org/officeDocument/2006/relationships" xmlns:mc="http://schemas.openxmlformats.org/markup-compatibility/2006" xmlns:mv="urn:schemas-microsoft-com:mac:vml" xmlns:p="http://schemas.openxmlformats.org/presentationml/2006/main" xmlns:c="http://schemas.openxmlformats.org/drawingml/2006/chart" xmlns:dgm="http://schemas.openxmlformats.org/drawingml/2006/diagram" xmlns:o="urn:schemas-microsoft-com:office:office" xmlns:v="urn:schemas-microsoft-com:vml" xmlns:pvml="urn:schemas-microsoft-com:office:powerpoint" xmlns:com="http://schemas.openxmlformats.org/drawingml/2006/compatibility" xmlns:p14="http://schemas.microsoft.com/office/powerpoint/2010/main" xmlns:p15="http://schemas.microsoft.com/office/powerpoint/2012/main" matchingName="Title slide" type="title">
+<p:sldLayout xmlns:a="http://schemas.openxmlformats.org/drawingml/2006/main" xmlns:r="http://schemas.openxmlformats.org/officeDocument/2006/relationships" xmlns:p="http://schemas.openxmlformats.org/presentationml/2006/main" matchingName="Title slide" type="title">
   <p:cSld name="TITLE">
     <p:spTree>
       <p:nvGrpSpPr>
-        <p:cNvPr id="9" name="Shape 9"/>
+        <p:cNvPr id="1" name="Shape 9"/>
         <p:cNvGrpSpPr/>
         <p:nvPr/>
       </p:nvGrpSpPr>
@@ -796,7 +845,9 @@
       <p:sp>
         <p:nvSpPr>
           <p:cNvPr id="10" name="Google Shape;10;p2"/>
-          <p:cNvSpPr txBox="1"/>
+          <p:cNvSpPr txBox="1">
+            <a:spLocks noGrp="1"/>
+          </p:cNvSpPr>
           <p:nvPr>
             <p:ph type="ctrTitle"/>
           </p:nvPr>
@@ -811,7 +862,7 @@
           </a:prstGeom>
         </p:spPr>
         <p:txBody>
-          <a:bodyPr anchorCtr="0" anchor="b" bIns="91425" lIns="91425" spcFirstLastPara="1" rIns="91425" wrap="square" tIns="91425"/>
+          <a:bodyPr spcFirstLastPara="1" wrap="square" lIns="91425" tIns="91425" rIns="91425" bIns="91425" anchor="b" anchorCtr="0"/>
           <a:lstStyle>
             <a:lvl1pPr lvl="0" algn="ctr">
               <a:spcBef>
@@ -913,15 +964,19 @@
               <a:defRPr sz="5200"/>
             </a:lvl9pPr>
           </a:lstStyle>
-          <a:p/>
+          <a:p>
+            <a:endParaRPr/>
+          </a:p>
         </p:txBody>
       </p:sp>
       <p:sp>
         <p:nvSpPr>
           <p:cNvPr id="11" name="Google Shape;11;p2"/>
-          <p:cNvSpPr txBox="1"/>
+          <p:cNvSpPr txBox="1">
+            <a:spLocks noGrp="1"/>
+          </p:cNvSpPr>
           <p:nvPr>
-            <p:ph idx="1" type="subTitle"/>
+            <p:ph type="subTitle" idx="1"/>
           </p:nvPr>
         </p:nvSpPr>
         <p:spPr>
@@ -934,7 +989,7 @@
           </a:prstGeom>
         </p:spPr>
         <p:txBody>
-          <a:bodyPr anchorCtr="0" anchor="t" bIns="91425" lIns="91425" spcFirstLastPara="1" rIns="91425" wrap="square" tIns="91425"/>
+          <a:bodyPr spcFirstLastPara="1" wrap="square" lIns="91425" tIns="91425" rIns="91425" bIns="91425" anchor="t" anchorCtr="0"/>
           <a:lstStyle>
             <a:lvl1pPr lvl="0" algn="ctr">
               <a:lnSpc>
@@ -1063,15 +1118,19 @@
               <a:defRPr sz="2800"/>
             </a:lvl9pPr>
           </a:lstStyle>
-          <a:p/>
+          <a:p>
+            <a:endParaRPr/>
+          </a:p>
         </p:txBody>
       </p:sp>
       <p:sp>
         <p:nvSpPr>
           <p:cNvPr id="12" name="Google Shape;12;p2"/>
-          <p:cNvSpPr txBox="1"/>
+          <p:cNvSpPr txBox="1">
+            <a:spLocks noGrp="1"/>
+          </p:cNvSpPr>
           <p:nvPr>
-            <p:ph idx="12" type="sldNum"/>
+            <p:ph type="sldNum" idx="12"/>
           </p:nvPr>
         </p:nvSpPr>
         <p:spPr>
@@ -1084,7 +1143,7 @@
           </a:prstGeom>
         </p:spPr>
         <p:txBody>
-          <a:bodyPr anchorCtr="0" anchor="ctr" bIns="91425" lIns="91425" spcFirstLastPara="1" rIns="91425" wrap="square" tIns="91425">
+          <a:bodyPr spcFirstLastPara="1" wrap="square" lIns="91425" tIns="91425" rIns="91425" bIns="91425" anchor="ctr" anchorCtr="0">
             <a:noAutofit/>
           </a:bodyPr>
           <a:lstStyle>
@@ -1126,7 +1185,7 @@
             </a:lvl9pPr>
           </a:lstStyle>
           <a:p>
-            <a:pPr indent="0" lvl="0" marL="0" rtl="0" algn="r">
+            <a:pPr marL="0" lvl="0" indent="0" algn="r" rtl="0">
               <a:spcBef>
                 <a:spcPts val="0"/>
               </a:spcBef>
@@ -1152,11 +1211,11 @@
 </file>
 
 <file path=ppt/slideLayouts/slideLayout10.xml><?xml version="1.0" encoding="utf-8"?>
-<p:sldLayout xmlns:a="http://schemas.openxmlformats.org/drawingml/2006/main" xmlns:r="http://schemas.openxmlformats.org/officeDocument/2006/relationships" xmlns:mc="http://schemas.openxmlformats.org/markup-compatibility/2006" xmlns:mv="urn:schemas-microsoft-com:mac:vml" xmlns:p="http://schemas.openxmlformats.org/presentationml/2006/main" xmlns:c="http://schemas.openxmlformats.org/drawingml/2006/chart" xmlns:dgm="http://schemas.openxmlformats.org/drawingml/2006/diagram" xmlns:o="urn:schemas-microsoft-com:office:office" xmlns:v="urn:schemas-microsoft-com:vml" xmlns:pvml="urn:schemas-microsoft-com:office:powerpoint" xmlns:com="http://schemas.openxmlformats.org/drawingml/2006/compatibility" xmlns:p14="http://schemas.microsoft.com/office/powerpoint/2010/main" xmlns:p15="http://schemas.microsoft.com/office/powerpoint/2012/main" matchingName="Big number">
+<p:sldLayout xmlns:a="http://schemas.openxmlformats.org/drawingml/2006/main" xmlns:r="http://schemas.openxmlformats.org/officeDocument/2006/relationships" xmlns:p="http://schemas.openxmlformats.org/presentationml/2006/main" matchingName="Big number">
   <p:cSld name="BIG_NUMBER">
     <p:spTree>
       <p:nvGrpSpPr>
-        <p:cNvPr id="44" name="Shape 44"/>
+        <p:cNvPr id="1" name="Shape 44"/>
         <p:cNvGrpSpPr/>
         <p:nvPr/>
       </p:nvGrpSpPr>
@@ -1171,9 +1230,11 @@
       <p:sp>
         <p:nvSpPr>
           <p:cNvPr id="45" name="Google Shape;45;p11"/>
-          <p:cNvSpPr txBox="1"/>
+          <p:cNvSpPr txBox="1">
+            <a:spLocks noGrp="1"/>
+          </p:cNvSpPr>
           <p:nvPr>
-            <p:ph hasCustomPrompt="1" type="title"/>
+            <p:ph type="title" hasCustomPrompt="1"/>
           </p:nvPr>
         </p:nvSpPr>
         <p:spPr>
@@ -1186,7 +1247,7 @@
           </a:prstGeom>
         </p:spPr>
         <p:txBody>
-          <a:bodyPr anchorCtr="0" anchor="b" bIns="91425" lIns="91425" spcFirstLastPara="1" rIns="91425" wrap="square" tIns="91425"/>
+          <a:bodyPr spcFirstLastPara="1" wrap="square" lIns="91425" tIns="91425" rIns="91425" bIns="91425" anchor="b" anchorCtr="0"/>
           <a:lstStyle>
             <a:lvl1pPr lvl="0" algn="ctr">
               <a:spcBef>
@@ -1298,9 +1359,11 @@
       <p:sp>
         <p:nvSpPr>
           <p:cNvPr id="46" name="Google Shape;46;p11"/>
-          <p:cNvSpPr txBox="1"/>
+          <p:cNvSpPr txBox="1">
+            <a:spLocks noGrp="1"/>
+          </p:cNvSpPr>
           <p:nvPr>
-            <p:ph idx="1" type="body"/>
+            <p:ph type="body" idx="1"/>
           </p:nvPr>
         </p:nvSpPr>
         <p:spPr>
@@ -1313,9 +1376,9 @@
           </a:prstGeom>
         </p:spPr>
         <p:txBody>
-          <a:bodyPr anchorCtr="0" anchor="t" bIns="91425" lIns="91425" spcFirstLastPara="1" rIns="91425" wrap="square" tIns="91425"/>
+          <a:bodyPr spcFirstLastPara="1" wrap="square" lIns="91425" tIns="91425" rIns="91425" bIns="91425" anchor="t" anchorCtr="0"/>
           <a:lstStyle>
-            <a:lvl1pPr indent="-342900" lvl="0" marL="457200" algn="ctr">
+            <a:lvl1pPr marL="457200" lvl="0" indent="-342900" algn="ctr">
               <a:spcBef>
                 <a:spcPts val="0"/>
               </a:spcBef>
@@ -1326,7 +1389,7 @@
               <a:buChar char="●"/>
               <a:defRPr/>
             </a:lvl1pPr>
-            <a:lvl2pPr indent="-317500" lvl="1" marL="914400" algn="ctr">
+            <a:lvl2pPr marL="914400" lvl="1" indent="-317500" algn="ctr">
               <a:spcBef>
                 <a:spcPts val="1600"/>
               </a:spcBef>
@@ -1337,7 +1400,7 @@
               <a:buChar char="○"/>
               <a:defRPr/>
             </a:lvl2pPr>
-            <a:lvl3pPr indent="-317500" lvl="2" marL="1371600" algn="ctr">
+            <a:lvl3pPr marL="1371600" lvl="2" indent="-317500" algn="ctr">
               <a:spcBef>
                 <a:spcPts val="1600"/>
               </a:spcBef>
@@ -1348,7 +1411,7 @@
               <a:buChar char="■"/>
               <a:defRPr/>
             </a:lvl3pPr>
-            <a:lvl4pPr indent="-317500" lvl="3" marL="1828800" algn="ctr">
+            <a:lvl4pPr marL="1828800" lvl="3" indent="-317500" algn="ctr">
               <a:spcBef>
                 <a:spcPts val="1600"/>
               </a:spcBef>
@@ -1359,7 +1422,7 @@
               <a:buChar char="●"/>
               <a:defRPr/>
             </a:lvl4pPr>
-            <a:lvl5pPr indent="-317500" lvl="4" marL="2286000" algn="ctr">
+            <a:lvl5pPr marL="2286000" lvl="4" indent="-317500" algn="ctr">
               <a:spcBef>
                 <a:spcPts val="1600"/>
               </a:spcBef>
@@ -1370,7 +1433,7 @@
               <a:buChar char="○"/>
               <a:defRPr/>
             </a:lvl5pPr>
-            <a:lvl6pPr indent="-317500" lvl="5" marL="2743200" algn="ctr">
+            <a:lvl6pPr marL="2743200" lvl="5" indent="-317500" algn="ctr">
               <a:spcBef>
                 <a:spcPts val="1600"/>
               </a:spcBef>
@@ -1381,7 +1444,7 @@
               <a:buChar char="■"/>
               <a:defRPr/>
             </a:lvl6pPr>
-            <a:lvl7pPr indent="-317500" lvl="6" marL="3200400" algn="ctr">
+            <a:lvl7pPr marL="3200400" lvl="6" indent="-317500" algn="ctr">
               <a:spcBef>
                 <a:spcPts val="1600"/>
               </a:spcBef>
@@ -1392,7 +1455,7 @@
               <a:buChar char="●"/>
               <a:defRPr/>
             </a:lvl7pPr>
-            <a:lvl8pPr indent="-317500" lvl="7" marL="3657600" algn="ctr">
+            <a:lvl8pPr marL="3657600" lvl="7" indent="-317500" algn="ctr">
               <a:spcBef>
                 <a:spcPts val="1600"/>
               </a:spcBef>
@@ -1403,7 +1466,7 @@
               <a:buChar char="○"/>
               <a:defRPr/>
             </a:lvl8pPr>
-            <a:lvl9pPr indent="-317500" lvl="8" marL="4114800" algn="ctr">
+            <a:lvl9pPr marL="4114800" lvl="8" indent="-317500" algn="ctr">
               <a:spcBef>
                 <a:spcPts val="1600"/>
               </a:spcBef>
@@ -1415,15 +1478,19 @@
               <a:defRPr/>
             </a:lvl9pPr>
           </a:lstStyle>
-          <a:p/>
+          <a:p>
+            <a:endParaRPr/>
+          </a:p>
         </p:txBody>
       </p:sp>
       <p:sp>
         <p:nvSpPr>
           <p:cNvPr id="47" name="Google Shape;47;p11"/>
-          <p:cNvSpPr txBox="1"/>
+          <p:cNvSpPr txBox="1">
+            <a:spLocks noGrp="1"/>
+          </p:cNvSpPr>
           <p:nvPr>
-            <p:ph idx="12" type="sldNum"/>
+            <p:ph type="sldNum" idx="12"/>
           </p:nvPr>
         </p:nvSpPr>
         <p:spPr>
@@ -1436,7 +1503,7 @@
           </a:prstGeom>
         </p:spPr>
         <p:txBody>
-          <a:bodyPr anchorCtr="0" anchor="ctr" bIns="91425" lIns="91425" spcFirstLastPara="1" rIns="91425" wrap="square" tIns="91425">
+          <a:bodyPr spcFirstLastPara="1" wrap="square" lIns="91425" tIns="91425" rIns="91425" bIns="91425" anchor="ctr" anchorCtr="0">
             <a:noAutofit/>
           </a:bodyPr>
           <a:lstStyle>
@@ -1478,7 +1545,7 @@
             </a:lvl9pPr>
           </a:lstStyle>
           <a:p>
-            <a:pPr indent="0" lvl="0" marL="0" rtl="0" algn="r">
+            <a:pPr marL="0" lvl="0" indent="0" algn="r" rtl="0">
               <a:spcBef>
                 <a:spcPts val="0"/>
               </a:spcBef>
@@ -1504,11 +1571,11 @@
 </file>
 
 <file path=ppt/slideLayouts/slideLayout11.xml><?xml version="1.0" encoding="utf-8"?>
-<p:sldLayout xmlns:a="http://schemas.openxmlformats.org/drawingml/2006/main" xmlns:r="http://schemas.openxmlformats.org/officeDocument/2006/relationships" xmlns:mc="http://schemas.openxmlformats.org/markup-compatibility/2006" xmlns:mv="urn:schemas-microsoft-com:mac:vml" xmlns:p="http://schemas.openxmlformats.org/presentationml/2006/main" xmlns:c="http://schemas.openxmlformats.org/drawingml/2006/chart" xmlns:dgm="http://schemas.openxmlformats.org/drawingml/2006/diagram" xmlns:o="urn:schemas-microsoft-com:office:office" xmlns:v="urn:schemas-microsoft-com:vml" xmlns:pvml="urn:schemas-microsoft-com:office:powerpoint" xmlns:com="http://schemas.openxmlformats.org/drawingml/2006/compatibility" xmlns:p14="http://schemas.microsoft.com/office/powerpoint/2010/main" xmlns:p15="http://schemas.microsoft.com/office/powerpoint/2012/main" matchingName="Blank" type="blank">
+<p:sldLayout xmlns:a="http://schemas.openxmlformats.org/drawingml/2006/main" xmlns:r="http://schemas.openxmlformats.org/officeDocument/2006/relationships" xmlns:p="http://schemas.openxmlformats.org/presentationml/2006/main" matchingName="Blank" type="blank">
   <p:cSld name="BLANK">
     <p:spTree>
       <p:nvGrpSpPr>
-        <p:cNvPr id="48" name="Shape 48"/>
+        <p:cNvPr id="1" name="Shape 48"/>
         <p:cNvGrpSpPr/>
         <p:nvPr/>
       </p:nvGrpSpPr>
@@ -1523,9 +1590,11 @@
       <p:sp>
         <p:nvSpPr>
           <p:cNvPr id="49" name="Google Shape;49;p12"/>
-          <p:cNvSpPr txBox="1"/>
+          <p:cNvSpPr txBox="1">
+            <a:spLocks noGrp="1"/>
+          </p:cNvSpPr>
           <p:nvPr>
-            <p:ph idx="12" type="sldNum"/>
+            <p:ph type="sldNum" idx="12"/>
           </p:nvPr>
         </p:nvSpPr>
         <p:spPr>
@@ -1538,7 +1607,7 @@
           </a:prstGeom>
         </p:spPr>
         <p:txBody>
-          <a:bodyPr anchorCtr="0" anchor="ctr" bIns="91425" lIns="91425" spcFirstLastPara="1" rIns="91425" wrap="square" tIns="91425">
+          <a:bodyPr spcFirstLastPara="1" wrap="square" lIns="91425" tIns="91425" rIns="91425" bIns="91425" anchor="ctr" anchorCtr="0">
             <a:noAutofit/>
           </a:bodyPr>
           <a:lstStyle>
@@ -1580,7 +1649,7 @@
             </a:lvl9pPr>
           </a:lstStyle>
           <a:p>
-            <a:pPr indent="0" lvl="0" marL="0" rtl="0" algn="r">
+            <a:pPr marL="0" lvl="0" indent="0" algn="r" rtl="0">
               <a:spcBef>
                 <a:spcPts val="0"/>
               </a:spcBef>
@@ -1606,11 +1675,11 @@
 </file>
 
 <file path=ppt/slideLayouts/slideLayout2.xml><?xml version="1.0" encoding="utf-8"?>
-<p:sldLayout xmlns:a="http://schemas.openxmlformats.org/drawingml/2006/main" xmlns:r="http://schemas.openxmlformats.org/officeDocument/2006/relationships" xmlns:mc="http://schemas.openxmlformats.org/markup-compatibility/2006" xmlns:mv="urn:schemas-microsoft-com:mac:vml" xmlns:p="http://schemas.openxmlformats.org/presentationml/2006/main" xmlns:c="http://schemas.openxmlformats.org/drawingml/2006/chart" xmlns:dgm="http://schemas.openxmlformats.org/drawingml/2006/diagram" xmlns:o="urn:schemas-microsoft-com:office:office" xmlns:v="urn:schemas-microsoft-com:vml" xmlns:pvml="urn:schemas-microsoft-com:office:powerpoint" xmlns:com="http://schemas.openxmlformats.org/drawingml/2006/compatibility" xmlns:p14="http://schemas.microsoft.com/office/powerpoint/2010/main" xmlns:p15="http://schemas.microsoft.com/office/powerpoint/2012/main" matchingName="Section header" type="secHead">
+<p:sldLayout xmlns:a="http://schemas.openxmlformats.org/drawingml/2006/main" xmlns:r="http://schemas.openxmlformats.org/officeDocument/2006/relationships" xmlns:p="http://schemas.openxmlformats.org/presentationml/2006/main" matchingName="Section header" type="secHead">
   <p:cSld name="SECTION_HEADER">
     <p:spTree>
       <p:nvGrpSpPr>
-        <p:cNvPr id="13" name="Shape 13"/>
+        <p:cNvPr id="1" name="Shape 13"/>
         <p:cNvGrpSpPr/>
         <p:nvPr/>
       </p:nvGrpSpPr>
@@ -1625,7 +1694,9 @@
       <p:sp>
         <p:nvSpPr>
           <p:cNvPr id="14" name="Google Shape;14;p3"/>
-          <p:cNvSpPr txBox="1"/>
+          <p:cNvSpPr txBox="1">
+            <a:spLocks noGrp="1"/>
+          </p:cNvSpPr>
           <p:nvPr>
             <p:ph type="title"/>
           </p:nvPr>
@@ -1640,7 +1711,7 @@
           </a:prstGeom>
         </p:spPr>
         <p:txBody>
-          <a:bodyPr anchorCtr="0" anchor="ctr" bIns="91425" lIns="91425" spcFirstLastPara="1" rIns="91425" wrap="square" tIns="91425"/>
+          <a:bodyPr spcFirstLastPara="1" wrap="square" lIns="91425" tIns="91425" rIns="91425" bIns="91425" anchor="ctr" anchorCtr="0"/>
           <a:lstStyle>
             <a:lvl1pPr lvl="0" algn="ctr">
               <a:spcBef>
@@ -1742,15 +1813,19 @@
               <a:defRPr sz="3600"/>
             </a:lvl9pPr>
           </a:lstStyle>
-          <a:p/>
+          <a:p>
+            <a:endParaRPr/>
+          </a:p>
         </p:txBody>
       </p:sp>
       <p:sp>
         <p:nvSpPr>
           <p:cNvPr id="15" name="Google Shape;15;p3"/>
-          <p:cNvSpPr txBox="1"/>
+          <p:cNvSpPr txBox="1">
+            <a:spLocks noGrp="1"/>
+          </p:cNvSpPr>
           <p:nvPr>
-            <p:ph idx="12" type="sldNum"/>
+            <p:ph type="sldNum" idx="12"/>
           </p:nvPr>
         </p:nvSpPr>
         <p:spPr>
@@ -1763,7 +1838,7 @@
           </a:prstGeom>
         </p:spPr>
         <p:txBody>
-          <a:bodyPr anchorCtr="0" anchor="ctr" bIns="91425" lIns="91425" spcFirstLastPara="1" rIns="91425" wrap="square" tIns="91425">
+          <a:bodyPr spcFirstLastPara="1" wrap="square" lIns="91425" tIns="91425" rIns="91425" bIns="91425" anchor="ctr" anchorCtr="0">
             <a:noAutofit/>
           </a:bodyPr>
           <a:lstStyle>
@@ -1805,7 +1880,7 @@
             </a:lvl9pPr>
           </a:lstStyle>
           <a:p>
-            <a:pPr indent="0" lvl="0" marL="0" rtl="0" algn="r">
+            <a:pPr marL="0" lvl="0" indent="0" algn="r" rtl="0">
               <a:spcBef>
                 <a:spcPts val="0"/>
               </a:spcBef>
@@ -1831,11 +1906,11 @@
 </file>
 
 <file path=ppt/slideLayouts/slideLayout3.xml><?xml version="1.0" encoding="utf-8"?>
-<p:sldLayout xmlns:a="http://schemas.openxmlformats.org/drawingml/2006/main" xmlns:r="http://schemas.openxmlformats.org/officeDocument/2006/relationships" xmlns:mc="http://schemas.openxmlformats.org/markup-compatibility/2006" xmlns:mv="urn:schemas-microsoft-com:mac:vml" xmlns:p="http://schemas.openxmlformats.org/presentationml/2006/main" xmlns:c="http://schemas.openxmlformats.org/drawingml/2006/chart" xmlns:dgm="http://schemas.openxmlformats.org/drawingml/2006/diagram" xmlns:o="urn:schemas-microsoft-com:office:office" xmlns:v="urn:schemas-microsoft-com:vml" xmlns:pvml="urn:schemas-microsoft-com:office:powerpoint" xmlns:com="http://schemas.openxmlformats.org/drawingml/2006/compatibility" xmlns:p14="http://schemas.microsoft.com/office/powerpoint/2010/main" xmlns:p15="http://schemas.microsoft.com/office/powerpoint/2012/main" matchingName="Title and body" type="tx">
+<p:sldLayout xmlns:a="http://schemas.openxmlformats.org/drawingml/2006/main" xmlns:r="http://schemas.openxmlformats.org/officeDocument/2006/relationships" xmlns:p="http://schemas.openxmlformats.org/presentationml/2006/main" matchingName="Title and body" type="tx">
   <p:cSld name="TITLE_AND_BODY">
     <p:spTree>
       <p:nvGrpSpPr>
-        <p:cNvPr id="16" name="Shape 16"/>
+        <p:cNvPr id="1" name="Shape 16"/>
         <p:cNvGrpSpPr/>
         <p:nvPr/>
       </p:nvGrpSpPr>
@@ -1850,7 +1925,9 @@
       <p:sp>
         <p:nvSpPr>
           <p:cNvPr id="17" name="Google Shape;17;p4"/>
-          <p:cNvSpPr txBox="1"/>
+          <p:cNvSpPr txBox="1">
+            <a:spLocks noGrp="1"/>
+          </p:cNvSpPr>
           <p:nvPr>
             <p:ph type="title"/>
           </p:nvPr>
@@ -1865,7 +1942,7 @@
           </a:prstGeom>
         </p:spPr>
         <p:txBody>
-          <a:bodyPr anchorCtr="0" anchor="t" bIns="91425" lIns="91425" spcFirstLastPara="1" rIns="91425" wrap="square" tIns="91425"/>
+          <a:bodyPr spcFirstLastPara="1" wrap="square" lIns="91425" tIns="91425" rIns="91425" bIns="91425" anchor="t" anchorCtr="0"/>
           <a:lstStyle>
             <a:lvl1pPr lvl="0">
               <a:spcBef>
@@ -1967,15 +2044,19 @@
               <a:defRPr/>
             </a:lvl9pPr>
           </a:lstStyle>
-          <a:p/>
+          <a:p>
+            <a:endParaRPr/>
+          </a:p>
         </p:txBody>
       </p:sp>
       <p:sp>
         <p:nvSpPr>
           <p:cNvPr id="18" name="Google Shape;18;p4"/>
-          <p:cNvSpPr txBox="1"/>
+          <p:cNvSpPr txBox="1">
+            <a:spLocks noGrp="1"/>
+          </p:cNvSpPr>
           <p:nvPr>
-            <p:ph idx="1" type="body"/>
+            <p:ph type="body" idx="1"/>
           </p:nvPr>
         </p:nvSpPr>
         <p:spPr>
@@ -1988,9 +2069,9 @@
           </a:prstGeom>
         </p:spPr>
         <p:txBody>
-          <a:bodyPr anchorCtr="0" anchor="t" bIns="91425" lIns="91425" spcFirstLastPara="1" rIns="91425" wrap="square" tIns="91425"/>
+          <a:bodyPr spcFirstLastPara="1" wrap="square" lIns="91425" tIns="91425" rIns="91425" bIns="91425" anchor="t" anchorCtr="0"/>
           <a:lstStyle>
-            <a:lvl1pPr indent="-342900" lvl="0" marL="457200">
+            <a:lvl1pPr marL="457200" lvl="0" indent="-342900">
               <a:spcBef>
                 <a:spcPts val="0"/>
               </a:spcBef>
@@ -2001,7 +2082,7 @@
               <a:buChar char="●"/>
               <a:defRPr/>
             </a:lvl1pPr>
-            <a:lvl2pPr indent="-317500" lvl="1" marL="914400">
+            <a:lvl2pPr marL="914400" lvl="1" indent="-317500">
               <a:spcBef>
                 <a:spcPts val="1600"/>
               </a:spcBef>
@@ -2012,7 +2093,7 @@
               <a:buChar char="○"/>
               <a:defRPr/>
             </a:lvl2pPr>
-            <a:lvl3pPr indent="-317500" lvl="2" marL="1371600">
+            <a:lvl3pPr marL="1371600" lvl="2" indent="-317500">
               <a:spcBef>
                 <a:spcPts val="1600"/>
               </a:spcBef>
@@ -2023,7 +2104,7 @@
               <a:buChar char="■"/>
               <a:defRPr/>
             </a:lvl3pPr>
-            <a:lvl4pPr indent="-317500" lvl="3" marL="1828800">
+            <a:lvl4pPr marL="1828800" lvl="3" indent="-317500">
               <a:spcBef>
                 <a:spcPts val="1600"/>
               </a:spcBef>
@@ -2034,7 +2115,7 @@
               <a:buChar char="●"/>
               <a:defRPr/>
             </a:lvl4pPr>
-            <a:lvl5pPr indent="-317500" lvl="4" marL="2286000">
+            <a:lvl5pPr marL="2286000" lvl="4" indent="-317500">
               <a:spcBef>
                 <a:spcPts val="1600"/>
               </a:spcBef>
@@ -2045,7 +2126,7 @@
               <a:buChar char="○"/>
               <a:defRPr/>
             </a:lvl5pPr>
-            <a:lvl6pPr indent="-317500" lvl="5" marL="2743200">
+            <a:lvl6pPr marL="2743200" lvl="5" indent="-317500">
               <a:spcBef>
                 <a:spcPts val="1600"/>
               </a:spcBef>
@@ -2056,7 +2137,7 @@
               <a:buChar char="■"/>
               <a:defRPr/>
             </a:lvl6pPr>
-            <a:lvl7pPr indent="-317500" lvl="6" marL="3200400">
+            <a:lvl7pPr marL="3200400" lvl="6" indent="-317500">
               <a:spcBef>
                 <a:spcPts val="1600"/>
               </a:spcBef>
@@ -2067,7 +2148,7 @@
               <a:buChar char="●"/>
               <a:defRPr/>
             </a:lvl7pPr>
-            <a:lvl8pPr indent="-317500" lvl="7" marL="3657600">
+            <a:lvl8pPr marL="3657600" lvl="7" indent="-317500">
               <a:spcBef>
                 <a:spcPts val="1600"/>
               </a:spcBef>
@@ -2078,7 +2159,7 @@
               <a:buChar char="○"/>
               <a:defRPr/>
             </a:lvl8pPr>
-            <a:lvl9pPr indent="-317500" lvl="8" marL="4114800">
+            <a:lvl9pPr marL="4114800" lvl="8" indent="-317500">
               <a:spcBef>
                 <a:spcPts val="1600"/>
               </a:spcBef>
@@ -2090,15 +2171,19 @@
               <a:defRPr/>
             </a:lvl9pPr>
           </a:lstStyle>
-          <a:p/>
+          <a:p>
+            <a:endParaRPr/>
+          </a:p>
         </p:txBody>
       </p:sp>
       <p:sp>
         <p:nvSpPr>
           <p:cNvPr id="19" name="Google Shape;19;p4"/>
-          <p:cNvSpPr txBox="1"/>
+          <p:cNvSpPr txBox="1">
+            <a:spLocks noGrp="1"/>
+          </p:cNvSpPr>
           <p:nvPr>
-            <p:ph idx="12" type="sldNum"/>
+            <p:ph type="sldNum" idx="12"/>
           </p:nvPr>
         </p:nvSpPr>
         <p:spPr>
@@ -2111,7 +2196,7 @@
           </a:prstGeom>
         </p:spPr>
         <p:txBody>
-          <a:bodyPr anchorCtr="0" anchor="ctr" bIns="91425" lIns="91425" spcFirstLastPara="1" rIns="91425" wrap="square" tIns="91425">
+          <a:bodyPr spcFirstLastPara="1" wrap="square" lIns="91425" tIns="91425" rIns="91425" bIns="91425" anchor="ctr" anchorCtr="0">
             <a:noAutofit/>
           </a:bodyPr>
           <a:lstStyle>
@@ -2153,7 +2238,7 @@
             </a:lvl9pPr>
           </a:lstStyle>
           <a:p>
-            <a:pPr indent="0" lvl="0" marL="0" rtl="0" algn="r">
+            <a:pPr marL="0" lvl="0" indent="0" algn="r" rtl="0">
               <a:spcBef>
                 <a:spcPts val="0"/>
               </a:spcBef>
@@ -2179,11 +2264,11 @@
 </file>
 
 <file path=ppt/slideLayouts/slideLayout4.xml><?xml version="1.0" encoding="utf-8"?>
-<p:sldLayout xmlns:a="http://schemas.openxmlformats.org/drawingml/2006/main" xmlns:r="http://schemas.openxmlformats.org/officeDocument/2006/relationships" xmlns:mc="http://schemas.openxmlformats.org/markup-compatibility/2006" xmlns:mv="urn:schemas-microsoft-com:mac:vml" xmlns:p="http://schemas.openxmlformats.org/presentationml/2006/main" xmlns:c="http://schemas.openxmlformats.org/drawingml/2006/chart" xmlns:dgm="http://schemas.openxmlformats.org/drawingml/2006/diagram" xmlns:o="urn:schemas-microsoft-com:office:office" xmlns:v="urn:schemas-microsoft-com:vml" xmlns:pvml="urn:schemas-microsoft-com:office:powerpoint" xmlns:com="http://schemas.openxmlformats.org/drawingml/2006/compatibility" xmlns:p14="http://schemas.microsoft.com/office/powerpoint/2010/main" xmlns:p15="http://schemas.microsoft.com/office/powerpoint/2012/main" matchingName="Title and two columns" type="twoColTx">
+<p:sldLayout xmlns:a="http://schemas.openxmlformats.org/drawingml/2006/main" xmlns:r="http://schemas.openxmlformats.org/officeDocument/2006/relationships" xmlns:p="http://schemas.openxmlformats.org/presentationml/2006/main" matchingName="Title and two columns" type="twoColTx">
   <p:cSld name="TITLE_AND_TWO_COLUMNS">
     <p:spTree>
       <p:nvGrpSpPr>
-        <p:cNvPr id="20" name="Shape 20"/>
+        <p:cNvPr id="1" name="Shape 20"/>
         <p:cNvGrpSpPr/>
         <p:nvPr/>
       </p:nvGrpSpPr>
@@ -2198,7 +2283,9 @@
       <p:sp>
         <p:nvSpPr>
           <p:cNvPr id="21" name="Google Shape;21;p5"/>
-          <p:cNvSpPr txBox="1"/>
+          <p:cNvSpPr txBox="1">
+            <a:spLocks noGrp="1"/>
+          </p:cNvSpPr>
           <p:nvPr>
             <p:ph type="title"/>
           </p:nvPr>
@@ -2213,7 +2300,7 @@
           </a:prstGeom>
         </p:spPr>
         <p:txBody>
-          <a:bodyPr anchorCtr="0" anchor="t" bIns="91425" lIns="91425" spcFirstLastPara="1" rIns="91425" wrap="square" tIns="91425"/>
+          <a:bodyPr spcFirstLastPara="1" wrap="square" lIns="91425" tIns="91425" rIns="91425" bIns="91425" anchor="t" anchorCtr="0"/>
           <a:lstStyle>
             <a:lvl1pPr lvl="0">
               <a:spcBef>
@@ -2315,15 +2402,19 @@
               <a:defRPr/>
             </a:lvl9pPr>
           </a:lstStyle>
-          <a:p/>
+          <a:p>
+            <a:endParaRPr/>
+          </a:p>
         </p:txBody>
       </p:sp>
       <p:sp>
         <p:nvSpPr>
           <p:cNvPr id="22" name="Google Shape;22;p5"/>
-          <p:cNvSpPr txBox="1"/>
+          <p:cNvSpPr txBox="1">
+            <a:spLocks noGrp="1"/>
+          </p:cNvSpPr>
           <p:nvPr>
-            <p:ph idx="1" type="body"/>
+            <p:ph type="body" idx="1"/>
           </p:nvPr>
         </p:nvSpPr>
         <p:spPr>
@@ -2336,9 +2427,9 @@
           </a:prstGeom>
         </p:spPr>
         <p:txBody>
-          <a:bodyPr anchorCtr="0" anchor="t" bIns="91425" lIns="91425" spcFirstLastPara="1" rIns="91425" wrap="square" tIns="91425"/>
+          <a:bodyPr spcFirstLastPara="1" wrap="square" lIns="91425" tIns="91425" rIns="91425" bIns="91425" anchor="t" anchorCtr="0"/>
           <a:lstStyle>
-            <a:lvl1pPr indent="-317500" lvl="0" marL="457200">
+            <a:lvl1pPr marL="457200" lvl="0" indent="-317500">
               <a:spcBef>
                 <a:spcPts val="0"/>
               </a:spcBef>
@@ -2349,7 +2440,7 @@
               <a:buChar char="●"/>
               <a:defRPr sz="1400"/>
             </a:lvl1pPr>
-            <a:lvl2pPr indent="-304800" lvl="1" marL="914400">
+            <a:lvl2pPr marL="914400" lvl="1" indent="-304800">
               <a:spcBef>
                 <a:spcPts val="1600"/>
               </a:spcBef>
@@ -2360,7 +2451,7 @@
               <a:buChar char="○"/>
               <a:defRPr sz="1200"/>
             </a:lvl2pPr>
-            <a:lvl3pPr indent="-304800" lvl="2" marL="1371600">
+            <a:lvl3pPr marL="1371600" lvl="2" indent="-304800">
               <a:spcBef>
                 <a:spcPts val="1600"/>
               </a:spcBef>
@@ -2371,7 +2462,7 @@
               <a:buChar char="■"/>
               <a:defRPr sz="1200"/>
             </a:lvl3pPr>
-            <a:lvl4pPr indent="-304800" lvl="3" marL="1828800">
+            <a:lvl4pPr marL="1828800" lvl="3" indent="-304800">
               <a:spcBef>
                 <a:spcPts val="1600"/>
               </a:spcBef>
@@ -2382,7 +2473,7 @@
               <a:buChar char="●"/>
               <a:defRPr sz="1200"/>
             </a:lvl4pPr>
-            <a:lvl5pPr indent="-304800" lvl="4" marL="2286000">
+            <a:lvl5pPr marL="2286000" lvl="4" indent="-304800">
               <a:spcBef>
                 <a:spcPts val="1600"/>
               </a:spcBef>
@@ -2393,7 +2484,7 @@
               <a:buChar char="○"/>
               <a:defRPr sz="1200"/>
             </a:lvl5pPr>
-            <a:lvl6pPr indent="-304800" lvl="5" marL="2743200">
+            <a:lvl6pPr marL="2743200" lvl="5" indent="-304800">
               <a:spcBef>
                 <a:spcPts val="1600"/>
               </a:spcBef>
@@ -2404,7 +2495,7 @@
               <a:buChar char="■"/>
               <a:defRPr sz="1200"/>
             </a:lvl6pPr>
-            <a:lvl7pPr indent="-304800" lvl="6" marL="3200400">
+            <a:lvl7pPr marL="3200400" lvl="6" indent="-304800">
               <a:spcBef>
                 <a:spcPts val="1600"/>
               </a:spcBef>
@@ -2415,7 +2506,7 @@
               <a:buChar char="●"/>
               <a:defRPr sz="1200"/>
             </a:lvl7pPr>
-            <a:lvl8pPr indent="-304800" lvl="7" marL="3657600">
+            <a:lvl8pPr marL="3657600" lvl="7" indent="-304800">
               <a:spcBef>
                 <a:spcPts val="1600"/>
               </a:spcBef>
@@ -2426,7 +2517,7 @@
               <a:buChar char="○"/>
               <a:defRPr sz="1200"/>
             </a:lvl8pPr>
-            <a:lvl9pPr indent="-304800" lvl="8" marL="4114800">
+            <a:lvl9pPr marL="4114800" lvl="8" indent="-304800">
               <a:spcBef>
                 <a:spcPts val="1600"/>
               </a:spcBef>
@@ -2438,15 +2529,19 @@
               <a:defRPr sz="1200"/>
             </a:lvl9pPr>
           </a:lstStyle>
-          <a:p/>
+          <a:p>
+            <a:endParaRPr/>
+          </a:p>
         </p:txBody>
       </p:sp>
       <p:sp>
         <p:nvSpPr>
           <p:cNvPr id="23" name="Google Shape;23;p5"/>
-          <p:cNvSpPr txBox="1"/>
+          <p:cNvSpPr txBox="1">
+            <a:spLocks noGrp="1"/>
+          </p:cNvSpPr>
           <p:nvPr>
-            <p:ph idx="2" type="body"/>
+            <p:ph type="body" idx="2"/>
           </p:nvPr>
         </p:nvSpPr>
         <p:spPr>
@@ -2459,9 +2554,9 @@
           </a:prstGeom>
         </p:spPr>
         <p:txBody>
-          <a:bodyPr anchorCtr="0" anchor="t" bIns="91425" lIns="91425" spcFirstLastPara="1" rIns="91425" wrap="square" tIns="91425"/>
+          <a:bodyPr spcFirstLastPara="1" wrap="square" lIns="91425" tIns="91425" rIns="91425" bIns="91425" anchor="t" anchorCtr="0"/>
           <a:lstStyle>
-            <a:lvl1pPr indent="-317500" lvl="0" marL="457200">
+            <a:lvl1pPr marL="457200" lvl="0" indent="-317500">
               <a:spcBef>
                 <a:spcPts val="0"/>
               </a:spcBef>
@@ -2472,7 +2567,7 @@
               <a:buChar char="●"/>
               <a:defRPr sz="1400"/>
             </a:lvl1pPr>
-            <a:lvl2pPr indent="-304800" lvl="1" marL="914400">
+            <a:lvl2pPr marL="914400" lvl="1" indent="-304800">
               <a:spcBef>
                 <a:spcPts val="1600"/>
               </a:spcBef>
@@ -2483,7 +2578,7 @@
               <a:buChar char="○"/>
               <a:defRPr sz="1200"/>
             </a:lvl2pPr>
-            <a:lvl3pPr indent="-304800" lvl="2" marL="1371600">
+            <a:lvl3pPr marL="1371600" lvl="2" indent="-304800">
               <a:spcBef>
                 <a:spcPts val="1600"/>
               </a:spcBef>
@@ -2494,7 +2589,7 @@
               <a:buChar char="■"/>
               <a:defRPr sz="1200"/>
             </a:lvl3pPr>
-            <a:lvl4pPr indent="-304800" lvl="3" marL="1828800">
+            <a:lvl4pPr marL="1828800" lvl="3" indent="-304800">
               <a:spcBef>
                 <a:spcPts val="1600"/>
               </a:spcBef>
@@ -2505,7 +2600,7 @@
               <a:buChar char="●"/>
               <a:defRPr sz="1200"/>
             </a:lvl4pPr>
-            <a:lvl5pPr indent="-304800" lvl="4" marL="2286000">
+            <a:lvl5pPr marL="2286000" lvl="4" indent="-304800">
               <a:spcBef>
                 <a:spcPts val="1600"/>
               </a:spcBef>
@@ -2516,7 +2611,7 @@
               <a:buChar char="○"/>
               <a:defRPr sz="1200"/>
             </a:lvl5pPr>
-            <a:lvl6pPr indent="-304800" lvl="5" marL="2743200">
+            <a:lvl6pPr marL="2743200" lvl="5" indent="-304800">
               <a:spcBef>
                 <a:spcPts val="1600"/>
               </a:spcBef>
@@ -2527,7 +2622,7 @@
               <a:buChar char="■"/>
               <a:defRPr sz="1200"/>
             </a:lvl6pPr>
-            <a:lvl7pPr indent="-304800" lvl="6" marL="3200400">
+            <a:lvl7pPr marL="3200400" lvl="6" indent="-304800">
               <a:spcBef>
                 <a:spcPts val="1600"/>
               </a:spcBef>
@@ -2538,7 +2633,7 @@
               <a:buChar char="●"/>
               <a:defRPr sz="1200"/>
             </a:lvl7pPr>
-            <a:lvl8pPr indent="-304800" lvl="7" marL="3657600">
+            <a:lvl8pPr marL="3657600" lvl="7" indent="-304800">
               <a:spcBef>
                 <a:spcPts val="1600"/>
               </a:spcBef>
@@ -2549,7 +2644,7 @@
               <a:buChar char="○"/>
               <a:defRPr sz="1200"/>
             </a:lvl8pPr>
-            <a:lvl9pPr indent="-304800" lvl="8" marL="4114800">
+            <a:lvl9pPr marL="4114800" lvl="8" indent="-304800">
               <a:spcBef>
                 <a:spcPts val="1600"/>
               </a:spcBef>
@@ -2561,15 +2656,19 @@
               <a:defRPr sz="1200"/>
             </a:lvl9pPr>
           </a:lstStyle>
-          <a:p/>
+          <a:p>
+            <a:endParaRPr/>
+          </a:p>
         </p:txBody>
       </p:sp>
       <p:sp>
         <p:nvSpPr>
           <p:cNvPr id="24" name="Google Shape;24;p5"/>
-          <p:cNvSpPr txBox="1"/>
+          <p:cNvSpPr txBox="1">
+            <a:spLocks noGrp="1"/>
+          </p:cNvSpPr>
           <p:nvPr>
-            <p:ph idx="12" type="sldNum"/>
+            <p:ph type="sldNum" idx="12"/>
           </p:nvPr>
         </p:nvSpPr>
         <p:spPr>
@@ -2582,7 +2681,7 @@
           </a:prstGeom>
         </p:spPr>
         <p:txBody>
-          <a:bodyPr anchorCtr="0" anchor="ctr" bIns="91425" lIns="91425" spcFirstLastPara="1" rIns="91425" wrap="square" tIns="91425">
+          <a:bodyPr spcFirstLastPara="1" wrap="square" lIns="91425" tIns="91425" rIns="91425" bIns="91425" anchor="ctr" anchorCtr="0">
             <a:noAutofit/>
           </a:bodyPr>
           <a:lstStyle>
@@ -2624,7 +2723,7 @@
             </a:lvl9pPr>
           </a:lstStyle>
           <a:p>
-            <a:pPr indent="0" lvl="0" marL="0" rtl="0" algn="r">
+            <a:pPr marL="0" lvl="0" indent="0" algn="r" rtl="0">
               <a:spcBef>
                 <a:spcPts val="0"/>
               </a:spcBef>
@@ -2650,11 +2749,11 @@
 </file>
 
 <file path=ppt/slideLayouts/slideLayout5.xml><?xml version="1.0" encoding="utf-8"?>
-<p:sldLayout xmlns:a="http://schemas.openxmlformats.org/drawingml/2006/main" xmlns:r="http://schemas.openxmlformats.org/officeDocument/2006/relationships" xmlns:mc="http://schemas.openxmlformats.org/markup-compatibility/2006" xmlns:mv="urn:schemas-microsoft-com:mac:vml" xmlns:p="http://schemas.openxmlformats.org/presentationml/2006/main" xmlns:c="http://schemas.openxmlformats.org/drawingml/2006/chart" xmlns:dgm="http://schemas.openxmlformats.org/drawingml/2006/diagram" xmlns:o="urn:schemas-microsoft-com:office:office" xmlns:v="urn:schemas-microsoft-com:vml" xmlns:pvml="urn:schemas-microsoft-com:office:powerpoint" xmlns:com="http://schemas.openxmlformats.org/drawingml/2006/compatibility" xmlns:p14="http://schemas.microsoft.com/office/powerpoint/2010/main" xmlns:p15="http://schemas.microsoft.com/office/powerpoint/2012/main" matchingName="Title only" type="titleOnly">
+<p:sldLayout xmlns:a="http://schemas.openxmlformats.org/drawingml/2006/main" xmlns:r="http://schemas.openxmlformats.org/officeDocument/2006/relationships" xmlns:p="http://schemas.openxmlformats.org/presentationml/2006/main" matchingName="Title only" type="titleOnly">
   <p:cSld name="TITLE_ONLY">
     <p:spTree>
       <p:nvGrpSpPr>
-        <p:cNvPr id="25" name="Shape 25"/>
+        <p:cNvPr id="1" name="Shape 25"/>
         <p:cNvGrpSpPr/>
         <p:nvPr/>
       </p:nvGrpSpPr>
@@ -2669,7 +2768,9 @@
       <p:sp>
         <p:nvSpPr>
           <p:cNvPr id="26" name="Google Shape;26;p6"/>
-          <p:cNvSpPr txBox="1"/>
+          <p:cNvSpPr txBox="1">
+            <a:spLocks noGrp="1"/>
+          </p:cNvSpPr>
           <p:nvPr>
             <p:ph type="title"/>
           </p:nvPr>
@@ -2684,7 +2785,7 @@
           </a:prstGeom>
         </p:spPr>
         <p:txBody>
-          <a:bodyPr anchorCtr="0" anchor="t" bIns="91425" lIns="91425" spcFirstLastPara="1" rIns="91425" wrap="square" tIns="91425"/>
+          <a:bodyPr spcFirstLastPara="1" wrap="square" lIns="91425" tIns="91425" rIns="91425" bIns="91425" anchor="t" anchorCtr="0"/>
           <a:lstStyle>
             <a:lvl1pPr lvl="0">
               <a:spcBef>
@@ -2786,15 +2887,19 @@
               <a:defRPr/>
             </a:lvl9pPr>
           </a:lstStyle>
-          <a:p/>
+          <a:p>
+            <a:endParaRPr/>
+          </a:p>
         </p:txBody>
       </p:sp>
       <p:sp>
         <p:nvSpPr>
           <p:cNvPr id="27" name="Google Shape;27;p6"/>
-          <p:cNvSpPr txBox="1"/>
+          <p:cNvSpPr txBox="1">
+            <a:spLocks noGrp="1"/>
+          </p:cNvSpPr>
           <p:nvPr>
-            <p:ph idx="12" type="sldNum"/>
+            <p:ph type="sldNum" idx="12"/>
           </p:nvPr>
         </p:nvSpPr>
         <p:spPr>
@@ -2807,7 +2912,7 @@
           </a:prstGeom>
         </p:spPr>
         <p:txBody>
-          <a:bodyPr anchorCtr="0" anchor="ctr" bIns="91425" lIns="91425" spcFirstLastPara="1" rIns="91425" wrap="square" tIns="91425">
+          <a:bodyPr spcFirstLastPara="1" wrap="square" lIns="91425" tIns="91425" rIns="91425" bIns="91425" anchor="ctr" anchorCtr="0">
             <a:noAutofit/>
           </a:bodyPr>
           <a:lstStyle>
@@ -2849,7 +2954,7 @@
             </a:lvl9pPr>
           </a:lstStyle>
           <a:p>
-            <a:pPr indent="0" lvl="0" marL="0" rtl="0" algn="r">
+            <a:pPr marL="0" lvl="0" indent="0" algn="r" rtl="0">
               <a:spcBef>
                 <a:spcPts val="0"/>
               </a:spcBef>
@@ -2875,11 +2980,11 @@
 </file>
 
 <file path=ppt/slideLayouts/slideLayout6.xml><?xml version="1.0" encoding="utf-8"?>
-<p:sldLayout xmlns:a="http://schemas.openxmlformats.org/drawingml/2006/main" xmlns:r="http://schemas.openxmlformats.org/officeDocument/2006/relationships" xmlns:mc="http://schemas.openxmlformats.org/markup-compatibility/2006" xmlns:mv="urn:schemas-microsoft-com:mac:vml" xmlns:p="http://schemas.openxmlformats.org/presentationml/2006/main" xmlns:c="http://schemas.openxmlformats.org/drawingml/2006/chart" xmlns:dgm="http://schemas.openxmlformats.org/drawingml/2006/diagram" xmlns:o="urn:schemas-microsoft-com:office:office" xmlns:v="urn:schemas-microsoft-com:vml" xmlns:pvml="urn:schemas-microsoft-com:office:powerpoint" xmlns:com="http://schemas.openxmlformats.org/drawingml/2006/compatibility" xmlns:p14="http://schemas.microsoft.com/office/powerpoint/2010/main" xmlns:p15="http://schemas.microsoft.com/office/powerpoint/2012/main" matchingName="One column text">
+<p:sldLayout xmlns:a="http://schemas.openxmlformats.org/drawingml/2006/main" xmlns:r="http://schemas.openxmlformats.org/officeDocument/2006/relationships" xmlns:p="http://schemas.openxmlformats.org/presentationml/2006/main" matchingName="One column text">
   <p:cSld name="ONE_COLUMN_TEXT">
     <p:spTree>
       <p:nvGrpSpPr>
-        <p:cNvPr id="28" name="Shape 28"/>
+        <p:cNvPr id="1" name="Shape 28"/>
         <p:cNvGrpSpPr/>
         <p:nvPr/>
       </p:nvGrpSpPr>
@@ -2894,7 +2999,9 @@
       <p:sp>
         <p:nvSpPr>
           <p:cNvPr id="29" name="Google Shape;29;p7"/>
-          <p:cNvSpPr txBox="1"/>
+          <p:cNvSpPr txBox="1">
+            <a:spLocks noGrp="1"/>
+          </p:cNvSpPr>
           <p:nvPr>
             <p:ph type="title"/>
           </p:nvPr>
@@ -2909,7 +3016,7 @@
           </a:prstGeom>
         </p:spPr>
         <p:txBody>
-          <a:bodyPr anchorCtr="0" anchor="b" bIns="91425" lIns="91425" spcFirstLastPara="1" rIns="91425" wrap="square" tIns="91425"/>
+          <a:bodyPr spcFirstLastPara="1" wrap="square" lIns="91425" tIns="91425" rIns="91425" bIns="91425" anchor="b" anchorCtr="0"/>
           <a:lstStyle>
             <a:lvl1pPr lvl="0">
               <a:spcBef>
@@ -3011,15 +3118,19 @@
               <a:defRPr sz="2400"/>
             </a:lvl9pPr>
           </a:lstStyle>
-          <a:p/>
+          <a:p>
+            <a:endParaRPr/>
+          </a:p>
         </p:txBody>
       </p:sp>
       <p:sp>
         <p:nvSpPr>
           <p:cNvPr id="30" name="Google Shape;30;p7"/>
-          <p:cNvSpPr txBox="1"/>
+          <p:cNvSpPr txBox="1">
+            <a:spLocks noGrp="1"/>
+          </p:cNvSpPr>
           <p:nvPr>
-            <p:ph idx="1" type="body"/>
+            <p:ph type="body" idx="1"/>
           </p:nvPr>
         </p:nvSpPr>
         <p:spPr>
@@ -3032,9 +3143,9 @@
           </a:prstGeom>
         </p:spPr>
         <p:txBody>
-          <a:bodyPr anchorCtr="0" anchor="t" bIns="91425" lIns="91425" spcFirstLastPara="1" rIns="91425" wrap="square" tIns="91425"/>
+          <a:bodyPr spcFirstLastPara="1" wrap="square" lIns="91425" tIns="91425" rIns="91425" bIns="91425" anchor="t" anchorCtr="0"/>
           <a:lstStyle>
-            <a:lvl1pPr indent="-304800" lvl="0" marL="457200">
+            <a:lvl1pPr marL="457200" lvl="0" indent="-304800">
               <a:spcBef>
                 <a:spcPts val="0"/>
               </a:spcBef>
@@ -3045,7 +3156,7 @@
               <a:buChar char="●"/>
               <a:defRPr sz="1200"/>
             </a:lvl1pPr>
-            <a:lvl2pPr indent="-304800" lvl="1" marL="914400">
+            <a:lvl2pPr marL="914400" lvl="1" indent="-304800">
               <a:spcBef>
                 <a:spcPts val="1600"/>
               </a:spcBef>
@@ -3056,7 +3167,7 @@
               <a:buChar char="○"/>
               <a:defRPr sz="1200"/>
             </a:lvl2pPr>
-            <a:lvl3pPr indent="-304800" lvl="2" marL="1371600">
+            <a:lvl3pPr marL="1371600" lvl="2" indent="-304800">
               <a:spcBef>
                 <a:spcPts val="1600"/>
               </a:spcBef>
@@ -3067,7 +3178,7 @@
               <a:buChar char="■"/>
               <a:defRPr sz="1200"/>
             </a:lvl3pPr>
-            <a:lvl4pPr indent="-304800" lvl="3" marL="1828800">
+            <a:lvl4pPr marL="1828800" lvl="3" indent="-304800">
               <a:spcBef>
                 <a:spcPts val="1600"/>
               </a:spcBef>
@@ -3078,7 +3189,7 @@
               <a:buChar char="●"/>
               <a:defRPr sz="1200"/>
             </a:lvl4pPr>
-            <a:lvl5pPr indent="-304800" lvl="4" marL="2286000">
+            <a:lvl5pPr marL="2286000" lvl="4" indent="-304800">
               <a:spcBef>
                 <a:spcPts val="1600"/>
               </a:spcBef>
@@ -3089,7 +3200,7 @@
               <a:buChar char="○"/>
               <a:defRPr sz="1200"/>
             </a:lvl5pPr>
-            <a:lvl6pPr indent="-304800" lvl="5" marL="2743200">
+            <a:lvl6pPr marL="2743200" lvl="5" indent="-304800">
               <a:spcBef>
                 <a:spcPts val="1600"/>
               </a:spcBef>
@@ -3100,7 +3211,7 @@
               <a:buChar char="■"/>
               <a:defRPr sz="1200"/>
             </a:lvl6pPr>
-            <a:lvl7pPr indent="-304800" lvl="6" marL="3200400">
+            <a:lvl7pPr marL="3200400" lvl="6" indent="-304800">
               <a:spcBef>
                 <a:spcPts val="1600"/>
               </a:spcBef>
@@ -3111,7 +3222,7 @@
               <a:buChar char="●"/>
               <a:defRPr sz="1200"/>
             </a:lvl7pPr>
-            <a:lvl8pPr indent="-304800" lvl="7" marL="3657600">
+            <a:lvl8pPr marL="3657600" lvl="7" indent="-304800">
               <a:spcBef>
                 <a:spcPts val="1600"/>
               </a:spcBef>
@@ -3122,7 +3233,7 @@
               <a:buChar char="○"/>
               <a:defRPr sz="1200"/>
             </a:lvl8pPr>
-            <a:lvl9pPr indent="-304800" lvl="8" marL="4114800">
+            <a:lvl9pPr marL="4114800" lvl="8" indent="-304800">
               <a:spcBef>
                 <a:spcPts val="1600"/>
               </a:spcBef>
@@ -3134,15 +3245,19 @@
               <a:defRPr sz="1200"/>
             </a:lvl9pPr>
           </a:lstStyle>
-          <a:p/>
+          <a:p>
+            <a:endParaRPr/>
+          </a:p>
         </p:txBody>
       </p:sp>
       <p:sp>
         <p:nvSpPr>
           <p:cNvPr id="31" name="Google Shape;31;p7"/>
-          <p:cNvSpPr txBox="1"/>
+          <p:cNvSpPr txBox="1">
+            <a:spLocks noGrp="1"/>
+          </p:cNvSpPr>
           <p:nvPr>
-            <p:ph idx="12" type="sldNum"/>
+            <p:ph type="sldNum" idx="12"/>
           </p:nvPr>
         </p:nvSpPr>
         <p:spPr>
@@ -3155,7 +3270,7 @@
           </a:prstGeom>
         </p:spPr>
         <p:txBody>
-          <a:bodyPr anchorCtr="0" anchor="ctr" bIns="91425" lIns="91425" spcFirstLastPara="1" rIns="91425" wrap="square" tIns="91425">
+          <a:bodyPr spcFirstLastPara="1" wrap="square" lIns="91425" tIns="91425" rIns="91425" bIns="91425" anchor="ctr" anchorCtr="0">
             <a:noAutofit/>
           </a:bodyPr>
           <a:lstStyle>
@@ -3197,7 +3312,7 @@
             </a:lvl9pPr>
           </a:lstStyle>
           <a:p>
-            <a:pPr indent="0" lvl="0" marL="0" rtl="0" algn="r">
+            <a:pPr marL="0" lvl="0" indent="0" algn="r" rtl="0">
               <a:spcBef>
                 <a:spcPts val="0"/>
               </a:spcBef>
@@ -3223,11 +3338,11 @@
 </file>
 
 <file path=ppt/slideLayouts/slideLayout7.xml><?xml version="1.0" encoding="utf-8"?>
-<p:sldLayout xmlns:a="http://schemas.openxmlformats.org/drawingml/2006/main" xmlns:r="http://schemas.openxmlformats.org/officeDocument/2006/relationships" xmlns:mc="http://schemas.openxmlformats.org/markup-compatibility/2006" xmlns:mv="urn:schemas-microsoft-com:mac:vml" xmlns:p="http://schemas.openxmlformats.org/presentationml/2006/main" xmlns:c="http://schemas.openxmlformats.org/drawingml/2006/chart" xmlns:dgm="http://schemas.openxmlformats.org/drawingml/2006/diagram" xmlns:o="urn:schemas-microsoft-com:office:office" xmlns:v="urn:schemas-microsoft-com:vml" xmlns:pvml="urn:schemas-microsoft-com:office:powerpoint" xmlns:com="http://schemas.openxmlformats.org/drawingml/2006/compatibility" xmlns:p14="http://schemas.microsoft.com/office/powerpoint/2010/main" xmlns:p15="http://schemas.microsoft.com/office/powerpoint/2012/main" matchingName="Main point">
+<p:sldLayout xmlns:a="http://schemas.openxmlformats.org/drawingml/2006/main" xmlns:r="http://schemas.openxmlformats.org/officeDocument/2006/relationships" xmlns:p="http://schemas.openxmlformats.org/presentationml/2006/main" matchingName="Main point">
   <p:cSld name="MAIN_POINT">
     <p:spTree>
       <p:nvGrpSpPr>
-        <p:cNvPr id="32" name="Shape 32"/>
+        <p:cNvPr id="1" name="Shape 32"/>
         <p:cNvGrpSpPr/>
         <p:nvPr/>
       </p:nvGrpSpPr>
@@ -3242,7 +3357,9 @@
       <p:sp>
         <p:nvSpPr>
           <p:cNvPr id="33" name="Google Shape;33;p8"/>
-          <p:cNvSpPr txBox="1"/>
+          <p:cNvSpPr txBox="1">
+            <a:spLocks noGrp="1"/>
+          </p:cNvSpPr>
           <p:nvPr>
             <p:ph type="title"/>
           </p:nvPr>
@@ -3257,7 +3374,7 @@
           </a:prstGeom>
         </p:spPr>
         <p:txBody>
-          <a:bodyPr anchorCtr="0" anchor="ctr" bIns="91425" lIns="91425" spcFirstLastPara="1" rIns="91425" wrap="square" tIns="91425"/>
+          <a:bodyPr spcFirstLastPara="1" wrap="square" lIns="91425" tIns="91425" rIns="91425" bIns="91425" anchor="ctr" anchorCtr="0"/>
           <a:lstStyle>
             <a:lvl1pPr lvl="0">
               <a:spcBef>
@@ -3359,15 +3476,19 @@
               <a:defRPr sz="4800"/>
             </a:lvl9pPr>
           </a:lstStyle>
-          <a:p/>
+          <a:p>
+            <a:endParaRPr/>
+          </a:p>
         </p:txBody>
       </p:sp>
       <p:sp>
         <p:nvSpPr>
           <p:cNvPr id="34" name="Google Shape;34;p8"/>
-          <p:cNvSpPr txBox="1"/>
+          <p:cNvSpPr txBox="1">
+            <a:spLocks noGrp="1"/>
+          </p:cNvSpPr>
           <p:nvPr>
-            <p:ph idx="12" type="sldNum"/>
+            <p:ph type="sldNum" idx="12"/>
           </p:nvPr>
         </p:nvSpPr>
         <p:spPr>
@@ -3380,7 +3501,7 @@
           </a:prstGeom>
         </p:spPr>
         <p:txBody>
-          <a:bodyPr anchorCtr="0" anchor="ctr" bIns="91425" lIns="91425" spcFirstLastPara="1" rIns="91425" wrap="square" tIns="91425">
+          <a:bodyPr spcFirstLastPara="1" wrap="square" lIns="91425" tIns="91425" rIns="91425" bIns="91425" anchor="ctr" anchorCtr="0">
             <a:noAutofit/>
           </a:bodyPr>
           <a:lstStyle>
@@ -3422,7 +3543,7 @@
             </a:lvl9pPr>
           </a:lstStyle>
           <a:p>
-            <a:pPr indent="0" lvl="0" marL="0" rtl="0" algn="r">
+            <a:pPr marL="0" lvl="0" indent="0" algn="r" rtl="0">
               <a:spcBef>
                 <a:spcPts val="0"/>
               </a:spcBef>
@@ -3448,11 +3569,11 @@
 </file>
 
 <file path=ppt/slideLayouts/slideLayout8.xml><?xml version="1.0" encoding="utf-8"?>
-<p:sldLayout xmlns:a="http://schemas.openxmlformats.org/drawingml/2006/main" xmlns:r="http://schemas.openxmlformats.org/officeDocument/2006/relationships" xmlns:mc="http://schemas.openxmlformats.org/markup-compatibility/2006" xmlns:mv="urn:schemas-microsoft-com:mac:vml" xmlns:p="http://schemas.openxmlformats.org/presentationml/2006/main" xmlns:c="http://schemas.openxmlformats.org/drawingml/2006/chart" xmlns:dgm="http://schemas.openxmlformats.org/drawingml/2006/diagram" xmlns:o="urn:schemas-microsoft-com:office:office" xmlns:v="urn:schemas-microsoft-com:vml" xmlns:pvml="urn:schemas-microsoft-com:office:powerpoint" xmlns:com="http://schemas.openxmlformats.org/drawingml/2006/compatibility" xmlns:p14="http://schemas.microsoft.com/office/powerpoint/2010/main" xmlns:p15="http://schemas.microsoft.com/office/powerpoint/2012/main" matchingName="Section title and description">
+<p:sldLayout xmlns:a="http://schemas.openxmlformats.org/drawingml/2006/main" xmlns:r="http://schemas.openxmlformats.org/officeDocument/2006/relationships" xmlns:p="http://schemas.openxmlformats.org/presentationml/2006/main" matchingName="Section title and description">
   <p:cSld name="SECTION_TITLE_AND_DESCRIPTION">
     <p:spTree>
       <p:nvGrpSpPr>
-        <p:cNvPr id="35" name="Shape 35"/>
+        <p:cNvPr id="1" name="Shape 35"/>
         <p:cNvGrpSpPr/>
         <p:nvPr/>
       </p:nvGrpSpPr>
@@ -3486,12 +3607,12 @@
           </a:ln>
         </p:spPr>
         <p:txBody>
-          <a:bodyPr anchorCtr="0" anchor="ctr" bIns="91425" lIns="91425" spcFirstLastPara="1" rIns="91425" wrap="square" tIns="91425">
+          <a:bodyPr spcFirstLastPara="1" wrap="square" lIns="91425" tIns="91425" rIns="91425" bIns="91425" anchor="ctr" anchorCtr="0">
             <a:noAutofit/>
           </a:bodyPr>
           <a:lstStyle/>
           <a:p>
-            <a:pPr indent="0" lvl="0" marL="0" rtl="0" algn="l">
+            <a:pPr marL="0" lvl="0" indent="0" algn="l" rtl="0">
               <a:spcBef>
                 <a:spcPts val="0"/>
               </a:spcBef>
@@ -3500,9 +3621,6 @@
               </a:spcAft>
               <a:buNone/>
             </a:pPr>
-            <a:r>
-              <a:t/>
-            </a:r>
             <a:endParaRPr/>
           </a:p>
         </p:txBody>
@@ -3510,7 +3628,9 @@
       <p:sp>
         <p:nvSpPr>
           <p:cNvPr id="37" name="Google Shape;37;p9"/>
-          <p:cNvSpPr txBox="1"/>
+          <p:cNvSpPr txBox="1">
+            <a:spLocks noGrp="1"/>
+          </p:cNvSpPr>
           <p:nvPr>
             <p:ph type="title"/>
           </p:nvPr>
@@ -3525,7 +3645,7 @@
           </a:prstGeom>
         </p:spPr>
         <p:txBody>
-          <a:bodyPr anchorCtr="0" anchor="b" bIns="91425" lIns="91425" spcFirstLastPara="1" rIns="91425" wrap="square" tIns="91425"/>
+          <a:bodyPr spcFirstLastPara="1" wrap="square" lIns="91425" tIns="91425" rIns="91425" bIns="91425" anchor="b" anchorCtr="0"/>
           <a:lstStyle>
             <a:lvl1pPr lvl="0" algn="ctr">
               <a:spcBef>
@@ -3627,15 +3747,19 @@
               <a:defRPr sz="4200"/>
             </a:lvl9pPr>
           </a:lstStyle>
-          <a:p/>
+          <a:p>
+            <a:endParaRPr/>
+          </a:p>
         </p:txBody>
       </p:sp>
       <p:sp>
         <p:nvSpPr>
           <p:cNvPr id="38" name="Google Shape;38;p9"/>
-          <p:cNvSpPr txBox="1"/>
+          <p:cNvSpPr txBox="1">
+            <a:spLocks noGrp="1"/>
+          </p:cNvSpPr>
           <p:nvPr>
-            <p:ph idx="1" type="subTitle"/>
+            <p:ph type="subTitle" idx="1"/>
           </p:nvPr>
         </p:nvSpPr>
         <p:spPr>
@@ -3648,7 +3772,7 @@
           </a:prstGeom>
         </p:spPr>
         <p:txBody>
-          <a:bodyPr anchorCtr="0" anchor="t" bIns="91425" lIns="91425" spcFirstLastPara="1" rIns="91425" wrap="square" tIns="91425"/>
+          <a:bodyPr spcFirstLastPara="1" wrap="square" lIns="91425" tIns="91425" rIns="91425" bIns="91425" anchor="t" anchorCtr="0"/>
           <a:lstStyle>
             <a:lvl1pPr lvl="0" algn="ctr">
               <a:lnSpc>
@@ -3777,15 +3901,19 @@
               <a:defRPr sz="2100"/>
             </a:lvl9pPr>
           </a:lstStyle>
-          <a:p/>
+          <a:p>
+            <a:endParaRPr/>
+          </a:p>
         </p:txBody>
       </p:sp>
       <p:sp>
         <p:nvSpPr>
           <p:cNvPr id="39" name="Google Shape;39;p9"/>
-          <p:cNvSpPr txBox="1"/>
+          <p:cNvSpPr txBox="1">
+            <a:spLocks noGrp="1"/>
+          </p:cNvSpPr>
           <p:nvPr>
-            <p:ph idx="2" type="body"/>
+            <p:ph type="body" idx="2"/>
           </p:nvPr>
         </p:nvSpPr>
         <p:spPr>
@@ -3798,9 +3926,9 @@
           </a:prstGeom>
         </p:spPr>
         <p:txBody>
-          <a:bodyPr anchorCtr="0" anchor="ctr" bIns="91425" lIns="91425" spcFirstLastPara="1" rIns="91425" wrap="square" tIns="91425"/>
+          <a:bodyPr spcFirstLastPara="1" wrap="square" lIns="91425" tIns="91425" rIns="91425" bIns="91425" anchor="ctr" anchorCtr="0"/>
           <a:lstStyle>
-            <a:lvl1pPr indent="-342900" lvl="0" marL="457200">
+            <a:lvl1pPr marL="457200" lvl="0" indent="-342900">
               <a:spcBef>
                 <a:spcPts val="0"/>
               </a:spcBef>
@@ -3811,7 +3939,7 @@
               <a:buChar char="●"/>
               <a:defRPr/>
             </a:lvl1pPr>
-            <a:lvl2pPr indent="-317500" lvl="1" marL="914400">
+            <a:lvl2pPr marL="914400" lvl="1" indent="-317500">
               <a:spcBef>
                 <a:spcPts val="1600"/>
               </a:spcBef>
@@ -3822,7 +3950,7 @@
               <a:buChar char="○"/>
               <a:defRPr/>
             </a:lvl2pPr>
-            <a:lvl3pPr indent="-317500" lvl="2" marL="1371600">
+            <a:lvl3pPr marL="1371600" lvl="2" indent="-317500">
               <a:spcBef>
                 <a:spcPts val="1600"/>
               </a:spcBef>
@@ -3833,7 +3961,7 @@
               <a:buChar char="■"/>
               <a:defRPr/>
             </a:lvl3pPr>
-            <a:lvl4pPr indent="-317500" lvl="3" marL="1828800">
+            <a:lvl4pPr marL="1828800" lvl="3" indent="-317500">
               <a:spcBef>
                 <a:spcPts val="1600"/>
               </a:spcBef>
@@ -3844,7 +3972,7 @@
               <a:buChar char="●"/>
               <a:defRPr/>
             </a:lvl4pPr>
-            <a:lvl5pPr indent="-317500" lvl="4" marL="2286000">
+            <a:lvl5pPr marL="2286000" lvl="4" indent="-317500">
               <a:spcBef>
                 <a:spcPts val="1600"/>
               </a:spcBef>
@@ -3855,7 +3983,7 @@
               <a:buChar char="○"/>
               <a:defRPr/>
             </a:lvl5pPr>
-            <a:lvl6pPr indent="-317500" lvl="5" marL="2743200">
+            <a:lvl6pPr marL="2743200" lvl="5" indent="-317500">
               <a:spcBef>
                 <a:spcPts val="1600"/>
               </a:spcBef>
@@ -3866,7 +3994,7 @@
               <a:buChar char="■"/>
               <a:defRPr/>
             </a:lvl6pPr>
-            <a:lvl7pPr indent="-317500" lvl="6" marL="3200400">
+            <a:lvl7pPr marL="3200400" lvl="6" indent="-317500">
               <a:spcBef>
                 <a:spcPts val="1600"/>
               </a:spcBef>
@@ -3877,7 +4005,7 @@
               <a:buChar char="●"/>
               <a:defRPr/>
             </a:lvl7pPr>
-            <a:lvl8pPr indent="-317500" lvl="7" marL="3657600">
+            <a:lvl8pPr marL="3657600" lvl="7" indent="-317500">
               <a:spcBef>
                 <a:spcPts val="1600"/>
               </a:spcBef>
@@ -3888,7 +4016,7 @@
               <a:buChar char="○"/>
               <a:defRPr/>
             </a:lvl8pPr>
-            <a:lvl9pPr indent="-317500" lvl="8" marL="4114800">
+            <a:lvl9pPr marL="4114800" lvl="8" indent="-317500">
               <a:spcBef>
                 <a:spcPts val="1600"/>
               </a:spcBef>
@@ -3900,15 +4028,19 @@
               <a:defRPr/>
             </a:lvl9pPr>
           </a:lstStyle>
-          <a:p/>
+          <a:p>
+            <a:endParaRPr/>
+          </a:p>
         </p:txBody>
       </p:sp>
       <p:sp>
         <p:nvSpPr>
           <p:cNvPr id="40" name="Google Shape;40;p9"/>
-          <p:cNvSpPr txBox="1"/>
+          <p:cNvSpPr txBox="1">
+            <a:spLocks noGrp="1"/>
+          </p:cNvSpPr>
           <p:nvPr>
-            <p:ph idx="12" type="sldNum"/>
+            <p:ph type="sldNum" idx="12"/>
           </p:nvPr>
         </p:nvSpPr>
         <p:spPr>
@@ -3921,7 +4053,7 @@
           </a:prstGeom>
         </p:spPr>
         <p:txBody>
-          <a:bodyPr anchorCtr="0" anchor="ctr" bIns="91425" lIns="91425" spcFirstLastPara="1" rIns="91425" wrap="square" tIns="91425">
+          <a:bodyPr spcFirstLastPara="1" wrap="square" lIns="91425" tIns="91425" rIns="91425" bIns="91425" anchor="ctr" anchorCtr="0">
             <a:noAutofit/>
           </a:bodyPr>
           <a:lstStyle>
@@ -3963,7 +4095,7 @@
             </a:lvl9pPr>
           </a:lstStyle>
           <a:p>
-            <a:pPr indent="0" lvl="0" marL="0" rtl="0" algn="r">
+            <a:pPr marL="0" lvl="0" indent="0" algn="r" rtl="0">
               <a:spcBef>
                 <a:spcPts val="0"/>
               </a:spcBef>
@@ -3989,11 +4121,11 @@
 </file>
 
 <file path=ppt/slideLayouts/slideLayout9.xml><?xml version="1.0" encoding="utf-8"?>
-<p:sldLayout xmlns:a="http://schemas.openxmlformats.org/drawingml/2006/main" xmlns:r="http://schemas.openxmlformats.org/officeDocument/2006/relationships" xmlns:mc="http://schemas.openxmlformats.org/markup-compatibility/2006" xmlns:mv="urn:schemas-microsoft-com:mac:vml" xmlns:p="http://schemas.openxmlformats.org/presentationml/2006/main" xmlns:c="http://schemas.openxmlformats.org/drawingml/2006/chart" xmlns:dgm="http://schemas.openxmlformats.org/drawingml/2006/diagram" xmlns:o="urn:schemas-microsoft-com:office:office" xmlns:v="urn:schemas-microsoft-com:vml" xmlns:pvml="urn:schemas-microsoft-com:office:powerpoint" xmlns:com="http://schemas.openxmlformats.org/drawingml/2006/compatibility" xmlns:p14="http://schemas.microsoft.com/office/powerpoint/2010/main" xmlns:p15="http://schemas.microsoft.com/office/powerpoint/2012/main" matchingName="Caption">
+<p:sldLayout xmlns:a="http://schemas.openxmlformats.org/drawingml/2006/main" xmlns:r="http://schemas.openxmlformats.org/officeDocument/2006/relationships" xmlns:p="http://schemas.openxmlformats.org/presentationml/2006/main" matchingName="Caption">
   <p:cSld name="CAPTION_ONLY">
     <p:spTree>
       <p:nvGrpSpPr>
-        <p:cNvPr id="41" name="Shape 41"/>
+        <p:cNvPr id="1" name="Shape 41"/>
         <p:cNvGrpSpPr/>
         <p:nvPr/>
       </p:nvGrpSpPr>
@@ -4008,9 +4140,11 @@
       <p:sp>
         <p:nvSpPr>
           <p:cNvPr id="42" name="Google Shape;42;p10"/>
-          <p:cNvSpPr txBox="1"/>
+          <p:cNvSpPr txBox="1">
+            <a:spLocks noGrp="1"/>
+          </p:cNvSpPr>
           <p:nvPr>
-            <p:ph idx="1" type="body"/>
+            <p:ph type="body" idx="1"/>
           </p:nvPr>
         </p:nvSpPr>
         <p:spPr>
@@ -4023,9 +4157,9 @@
           </a:prstGeom>
         </p:spPr>
         <p:txBody>
-          <a:bodyPr anchorCtr="0" anchor="ctr" bIns="91425" lIns="91425" spcFirstLastPara="1" rIns="91425" wrap="square" tIns="91425"/>
+          <a:bodyPr spcFirstLastPara="1" wrap="square" lIns="91425" tIns="91425" rIns="91425" bIns="91425" anchor="ctr" anchorCtr="0"/>
           <a:lstStyle>
-            <a:lvl1pPr indent="-228600" lvl="0" marL="457200">
+            <a:lvl1pPr marL="457200" lvl="0" indent="-228600">
               <a:lnSpc>
                 <a:spcPct val="100000"/>
               </a:lnSpc>
@@ -4040,15 +4174,19 @@
               <a:defRPr/>
             </a:lvl1pPr>
           </a:lstStyle>
-          <a:p/>
+          <a:p>
+            <a:endParaRPr/>
+          </a:p>
         </p:txBody>
       </p:sp>
       <p:sp>
         <p:nvSpPr>
           <p:cNvPr id="43" name="Google Shape;43;p10"/>
-          <p:cNvSpPr txBox="1"/>
+          <p:cNvSpPr txBox="1">
+            <a:spLocks noGrp="1"/>
+          </p:cNvSpPr>
           <p:nvPr>
-            <p:ph idx="12" type="sldNum"/>
+            <p:ph type="sldNum" idx="12"/>
           </p:nvPr>
         </p:nvSpPr>
         <p:spPr>
@@ -4061,7 +4199,7 @@
           </a:prstGeom>
         </p:spPr>
         <p:txBody>
-          <a:bodyPr anchorCtr="0" anchor="ctr" bIns="91425" lIns="91425" spcFirstLastPara="1" rIns="91425" wrap="square" tIns="91425">
+          <a:bodyPr spcFirstLastPara="1" wrap="square" lIns="91425" tIns="91425" rIns="91425" bIns="91425" anchor="ctr" anchorCtr="0">
             <a:noAutofit/>
           </a:bodyPr>
           <a:lstStyle>
@@ -4103,7 +4241,7 @@
             </a:lvl9pPr>
           </a:lstStyle>
           <a:p>
-            <a:pPr indent="0" lvl="0" marL="0" rtl="0" algn="r">
+            <a:pPr marL="0" lvl="0" indent="0" algn="r" rtl="0">
               <a:spcBef>
                 <a:spcPts val="0"/>
               </a:spcBef>
@@ -4129,18 +4267,19 @@
 </file>
 
 <file path=ppt/slideMasters/slideMaster1.xml><?xml version="1.0" encoding="utf-8"?>
-<p:sldMaster xmlns:a="http://schemas.openxmlformats.org/drawingml/2006/main" xmlns:r="http://schemas.openxmlformats.org/officeDocument/2006/relationships" xmlns:mc="http://schemas.openxmlformats.org/markup-compatibility/2006" xmlns:mv="urn:schemas-microsoft-com:mac:vml" xmlns:p="http://schemas.openxmlformats.org/presentationml/2006/main" xmlns:c="http://schemas.openxmlformats.org/drawingml/2006/chart" xmlns:dgm="http://schemas.openxmlformats.org/drawingml/2006/diagram" xmlns:o="urn:schemas-microsoft-com:office:office" xmlns:v="urn:schemas-microsoft-com:vml" xmlns:pvml="urn:schemas-microsoft-com:office:powerpoint" xmlns:com="http://schemas.openxmlformats.org/drawingml/2006/compatibility" xmlns:p14="http://schemas.microsoft.com/office/powerpoint/2010/main" xmlns:p15="http://schemas.microsoft.com/office/powerpoint/2012/main">
+<p:sldMaster xmlns:a="http://schemas.openxmlformats.org/drawingml/2006/main" xmlns:r="http://schemas.openxmlformats.org/officeDocument/2006/relationships" xmlns:p="http://schemas.openxmlformats.org/presentationml/2006/main">
   <p:cSld name="simple-light-2">
     <p:bg>
       <p:bgPr>
         <a:solidFill>
           <a:schemeClr val="lt1"/>
         </a:solidFill>
+        <a:effectLst/>
       </p:bgPr>
     </p:bg>
     <p:spTree>
       <p:nvGrpSpPr>
-        <p:cNvPr id="5" name="Shape 5"/>
+        <p:cNvPr id="1" name="Shape 5"/>
         <p:cNvGrpSpPr/>
         <p:nvPr/>
       </p:nvGrpSpPr>
@@ -4155,7 +4294,9 @@
       <p:sp>
         <p:nvSpPr>
           <p:cNvPr id="6" name="Google Shape;6;p1"/>
-          <p:cNvSpPr txBox="1"/>
+          <p:cNvSpPr txBox="1">
+            <a:spLocks noGrp="1"/>
+          </p:cNvSpPr>
           <p:nvPr>
             <p:ph type="title"/>
           </p:nvPr>
@@ -4174,7 +4315,7 @@
           </a:ln>
         </p:spPr>
         <p:txBody>
-          <a:bodyPr anchorCtr="0" anchor="t" bIns="91425" lIns="91425" spcFirstLastPara="1" rIns="91425" wrap="square" tIns="91425"/>
+          <a:bodyPr spcFirstLastPara="1" wrap="square" lIns="91425" tIns="91425" rIns="91425" bIns="91425" anchor="t" anchorCtr="0"/>
           <a:lstStyle>
             <a:lvl1pPr lvl="0">
               <a:spcBef>
@@ -4339,15 +4480,19 @@
               </a:defRPr>
             </a:lvl9pPr>
           </a:lstStyle>
-          <a:p/>
+          <a:p>
+            <a:endParaRPr/>
+          </a:p>
         </p:txBody>
       </p:sp>
       <p:sp>
         <p:nvSpPr>
           <p:cNvPr id="7" name="Google Shape;7;p1"/>
-          <p:cNvSpPr txBox="1"/>
+          <p:cNvSpPr txBox="1">
+            <a:spLocks noGrp="1"/>
+          </p:cNvSpPr>
           <p:nvPr>
-            <p:ph idx="1" type="body"/>
+            <p:ph type="body" idx="1"/>
           </p:nvPr>
         </p:nvSpPr>
         <p:spPr>
@@ -4364,9 +4509,9 @@
           </a:ln>
         </p:spPr>
         <p:txBody>
-          <a:bodyPr anchorCtr="0" anchor="t" bIns="91425" lIns="91425" spcFirstLastPara="1" rIns="91425" wrap="square" tIns="91425"/>
+          <a:bodyPr spcFirstLastPara="1" wrap="square" lIns="91425" tIns="91425" rIns="91425" bIns="91425" anchor="t" anchorCtr="0"/>
           <a:lstStyle>
-            <a:lvl1pPr indent="-342900" lvl="0" marL="457200">
+            <a:lvl1pPr marL="457200" lvl="0" indent="-342900">
               <a:lnSpc>
                 <a:spcPct val="115000"/>
               </a:lnSpc>
@@ -4387,7 +4532,7 @@
                 </a:solidFill>
               </a:defRPr>
             </a:lvl1pPr>
-            <a:lvl2pPr indent="-317500" lvl="1" marL="914400">
+            <a:lvl2pPr marL="914400" lvl="1" indent="-317500">
               <a:lnSpc>
                 <a:spcPct val="115000"/>
               </a:lnSpc>
@@ -4408,7 +4553,7 @@
                 </a:solidFill>
               </a:defRPr>
             </a:lvl2pPr>
-            <a:lvl3pPr indent="-317500" lvl="2" marL="1371600">
+            <a:lvl3pPr marL="1371600" lvl="2" indent="-317500">
               <a:lnSpc>
                 <a:spcPct val="115000"/>
               </a:lnSpc>
@@ -4429,7 +4574,7 @@
                 </a:solidFill>
               </a:defRPr>
             </a:lvl3pPr>
-            <a:lvl4pPr indent="-317500" lvl="3" marL="1828800">
+            <a:lvl4pPr marL="1828800" lvl="3" indent="-317500">
               <a:lnSpc>
                 <a:spcPct val="115000"/>
               </a:lnSpc>
@@ -4450,7 +4595,7 @@
                 </a:solidFill>
               </a:defRPr>
             </a:lvl4pPr>
-            <a:lvl5pPr indent="-317500" lvl="4" marL="2286000">
+            <a:lvl5pPr marL="2286000" lvl="4" indent="-317500">
               <a:lnSpc>
                 <a:spcPct val="115000"/>
               </a:lnSpc>
@@ -4471,7 +4616,7 @@
                 </a:solidFill>
               </a:defRPr>
             </a:lvl5pPr>
-            <a:lvl6pPr indent="-317500" lvl="5" marL="2743200">
+            <a:lvl6pPr marL="2743200" lvl="5" indent="-317500">
               <a:lnSpc>
                 <a:spcPct val="115000"/>
               </a:lnSpc>
@@ -4492,7 +4637,7 @@
                 </a:solidFill>
               </a:defRPr>
             </a:lvl6pPr>
-            <a:lvl7pPr indent="-317500" lvl="6" marL="3200400">
+            <a:lvl7pPr marL="3200400" lvl="6" indent="-317500">
               <a:lnSpc>
                 <a:spcPct val="115000"/>
               </a:lnSpc>
@@ -4513,7 +4658,7 @@
                 </a:solidFill>
               </a:defRPr>
             </a:lvl7pPr>
-            <a:lvl8pPr indent="-317500" lvl="7" marL="3657600">
+            <a:lvl8pPr marL="3657600" lvl="7" indent="-317500">
               <a:lnSpc>
                 <a:spcPct val="115000"/>
               </a:lnSpc>
@@ -4534,7 +4679,7 @@
                 </a:solidFill>
               </a:defRPr>
             </a:lvl8pPr>
-            <a:lvl9pPr indent="-317500" lvl="8" marL="4114800">
+            <a:lvl9pPr marL="4114800" lvl="8" indent="-317500">
               <a:lnSpc>
                 <a:spcPct val="115000"/>
               </a:lnSpc>
@@ -4556,15 +4701,19 @@
               </a:defRPr>
             </a:lvl9pPr>
           </a:lstStyle>
-          <a:p/>
+          <a:p>
+            <a:endParaRPr/>
+          </a:p>
         </p:txBody>
       </p:sp>
       <p:sp>
         <p:nvSpPr>
           <p:cNvPr id="8" name="Google Shape;8;p1"/>
-          <p:cNvSpPr txBox="1"/>
+          <p:cNvSpPr txBox="1">
+            <a:spLocks noGrp="1"/>
+          </p:cNvSpPr>
           <p:nvPr>
-            <p:ph idx="12" type="sldNum"/>
+            <p:ph type="sldNum" idx="12"/>
           </p:nvPr>
         </p:nvSpPr>
         <p:spPr>
@@ -4581,7 +4730,7 @@
           </a:ln>
         </p:spPr>
         <p:txBody>
-          <a:bodyPr anchorCtr="0" anchor="ctr" bIns="91425" lIns="91425" spcFirstLastPara="1" rIns="91425" wrap="square" tIns="91425">
+          <a:bodyPr spcFirstLastPara="1" wrap="square" lIns="91425" tIns="91425" rIns="91425" bIns="91425" anchor="ctr" anchorCtr="0">
             <a:noAutofit/>
           </a:bodyPr>
           <a:lstStyle>
@@ -4659,7 +4808,7 @@
             </a:lvl9pPr>
           </a:lstStyle>
           <a:p>
-            <a:pPr indent="0" lvl="0" marL="0" rtl="0" algn="r">
+            <a:pPr marL="0" lvl="0" indent="0" algn="r" rtl="0">
               <a:spcBef>
                 <a:spcPts val="0"/>
               </a:spcBef>
@@ -4678,7 +4827,7 @@
       </p:sp>
     </p:spTree>
   </p:cSld>
-  <p:clrMap accent1="accent1" accent2="accent2" accent3="accent3" accent4="accent4" accent5="accent5" accent6="accent6" bg1="lt1" bg2="dk2" tx1="dk1" tx2="lt2" folHlink="folHlink" hlink="hlink"/>
+  <p:clrMap bg1="lt1" tx1="dk1" bg2="dk2" tx2="lt2" accent1="accent1" accent2="accent2" accent3="accent3" accent4="accent4" accent5="accent5" accent6="accent6" hlink="hlink" folHlink="folHlink"/>
   <p:sldLayoutIdLst>
     <p:sldLayoutId id="2147483648" r:id="rId1"/>
     <p:sldLayoutId id="2147483649" r:id="rId2"/>
@@ -4692,10 +4841,10 @@
     <p:sldLayoutId id="2147483657" r:id="rId10"/>
     <p:sldLayoutId id="2147483658" r:id="rId11"/>
   </p:sldLayoutIdLst>
-  <p:hf dt="0" ftr="0" hdr="0" sldNum="0"/>
+  <p:hf sldNum="0" hdr="0" ftr="0" dt="0"/>
   <p:txStyles>
     <p:titleStyle>
-      <a:defPPr lvl="0" marR="0" rtl="0" algn="l">
+      <a:defPPr marR="0" lvl="0" algn="l" rtl="0">
         <a:lnSpc>
           <a:spcPct val="100000"/>
         </a:lnSpc>
@@ -4706,7 +4855,7 @@
           <a:spcPts val="0"/>
         </a:spcAft>
       </a:defPPr>
-      <a:lvl1pPr lvl="0" marR="0" rtl="0" algn="l">
+      <a:lvl1pPr marR="0" lvl="0" algn="l" rtl="0">
         <a:lnSpc>
           <a:spcPct val="100000"/>
         </a:lnSpc>
@@ -4720,7 +4869,7 @@
           <a:srgbClr val="000000"/>
         </a:buClr>
         <a:buFont typeface="Arial"/>
-        <a:defRPr b="0" i="0" sz="1400" u="none" cap="none" strike="noStrike">
+        <a:defRPr sz="1400" b="0" i="0" u="none" strike="noStrike" cap="none">
           <a:solidFill>
             <a:srgbClr val="000000"/>
           </a:solidFill>
@@ -4730,7 +4879,7 @@
           <a:sym typeface="Arial"/>
         </a:defRPr>
       </a:lvl1pPr>
-      <a:lvl2pPr lvl="1" marR="0" rtl="0" algn="l">
+      <a:lvl2pPr marR="0" lvl="1" algn="l" rtl="0">
         <a:lnSpc>
           <a:spcPct val="100000"/>
         </a:lnSpc>
@@ -4744,7 +4893,7 @@
           <a:srgbClr val="000000"/>
         </a:buClr>
         <a:buFont typeface="Arial"/>
-        <a:defRPr b="0" i="0" sz="1400" u="none" cap="none" strike="noStrike">
+        <a:defRPr sz="1400" b="0" i="0" u="none" strike="noStrike" cap="none">
           <a:solidFill>
             <a:srgbClr val="000000"/>
           </a:solidFill>
@@ -4754,7 +4903,7 @@
           <a:sym typeface="Arial"/>
         </a:defRPr>
       </a:lvl2pPr>
-      <a:lvl3pPr lvl="2" marR="0" rtl="0" algn="l">
+      <a:lvl3pPr marR="0" lvl="2" algn="l" rtl="0">
         <a:lnSpc>
           <a:spcPct val="100000"/>
         </a:lnSpc>
@@ -4768,7 +4917,7 @@
           <a:srgbClr val="000000"/>
         </a:buClr>
         <a:buFont typeface="Arial"/>
-        <a:defRPr b="0" i="0" sz="1400" u="none" cap="none" strike="noStrike">
+        <a:defRPr sz="1400" b="0" i="0" u="none" strike="noStrike" cap="none">
           <a:solidFill>
             <a:srgbClr val="000000"/>
           </a:solidFill>
@@ -4778,7 +4927,7 @@
           <a:sym typeface="Arial"/>
         </a:defRPr>
       </a:lvl3pPr>
-      <a:lvl4pPr lvl="3" marR="0" rtl="0" algn="l">
+      <a:lvl4pPr marR="0" lvl="3" algn="l" rtl="0">
         <a:lnSpc>
           <a:spcPct val="100000"/>
         </a:lnSpc>
@@ -4792,7 +4941,7 @@
           <a:srgbClr val="000000"/>
         </a:buClr>
         <a:buFont typeface="Arial"/>
-        <a:defRPr b="0" i="0" sz="1400" u="none" cap="none" strike="noStrike">
+        <a:defRPr sz="1400" b="0" i="0" u="none" strike="noStrike" cap="none">
           <a:solidFill>
             <a:srgbClr val="000000"/>
           </a:solidFill>
@@ -4802,7 +4951,7 @@
           <a:sym typeface="Arial"/>
         </a:defRPr>
       </a:lvl4pPr>
-      <a:lvl5pPr lvl="4" marR="0" rtl="0" algn="l">
+      <a:lvl5pPr marR="0" lvl="4" algn="l" rtl="0">
         <a:lnSpc>
           <a:spcPct val="100000"/>
         </a:lnSpc>
@@ -4816,7 +4965,7 @@
           <a:srgbClr val="000000"/>
         </a:buClr>
         <a:buFont typeface="Arial"/>
-        <a:defRPr b="0" i="0" sz="1400" u="none" cap="none" strike="noStrike">
+        <a:defRPr sz="1400" b="0" i="0" u="none" strike="noStrike" cap="none">
           <a:solidFill>
             <a:srgbClr val="000000"/>
           </a:solidFill>
@@ -4826,7 +4975,7 @@
           <a:sym typeface="Arial"/>
         </a:defRPr>
       </a:lvl5pPr>
-      <a:lvl6pPr lvl="5" marR="0" rtl="0" algn="l">
+      <a:lvl6pPr marR="0" lvl="5" algn="l" rtl="0">
         <a:lnSpc>
           <a:spcPct val="100000"/>
         </a:lnSpc>
@@ -4840,7 +4989,7 @@
           <a:srgbClr val="000000"/>
         </a:buClr>
         <a:buFont typeface="Arial"/>
-        <a:defRPr b="0" i="0" sz="1400" u="none" cap="none" strike="noStrike">
+        <a:defRPr sz="1400" b="0" i="0" u="none" strike="noStrike" cap="none">
           <a:solidFill>
             <a:srgbClr val="000000"/>
           </a:solidFill>
@@ -4850,7 +4999,7 @@
           <a:sym typeface="Arial"/>
         </a:defRPr>
       </a:lvl6pPr>
-      <a:lvl7pPr lvl="6" marR="0" rtl="0" algn="l">
+      <a:lvl7pPr marR="0" lvl="6" algn="l" rtl="0">
         <a:lnSpc>
           <a:spcPct val="100000"/>
         </a:lnSpc>
@@ -4864,7 +5013,7 @@
           <a:srgbClr val="000000"/>
         </a:buClr>
         <a:buFont typeface="Arial"/>
-        <a:defRPr b="0" i="0" sz="1400" u="none" cap="none" strike="noStrike">
+        <a:defRPr sz="1400" b="0" i="0" u="none" strike="noStrike" cap="none">
           <a:solidFill>
             <a:srgbClr val="000000"/>
           </a:solidFill>
@@ -4874,7 +5023,7 @@
           <a:sym typeface="Arial"/>
         </a:defRPr>
       </a:lvl7pPr>
-      <a:lvl8pPr lvl="7" marR="0" rtl="0" algn="l">
+      <a:lvl8pPr marR="0" lvl="7" algn="l" rtl="0">
         <a:lnSpc>
           <a:spcPct val="100000"/>
         </a:lnSpc>
@@ -4888,7 +5037,7 @@
           <a:srgbClr val="000000"/>
         </a:buClr>
         <a:buFont typeface="Arial"/>
-        <a:defRPr b="0" i="0" sz="1400" u="none" cap="none" strike="noStrike">
+        <a:defRPr sz="1400" b="0" i="0" u="none" strike="noStrike" cap="none">
           <a:solidFill>
             <a:srgbClr val="000000"/>
           </a:solidFill>
@@ -4898,7 +5047,7 @@
           <a:sym typeface="Arial"/>
         </a:defRPr>
       </a:lvl8pPr>
-      <a:lvl9pPr lvl="8" marR="0" rtl="0" algn="l">
+      <a:lvl9pPr marR="0" lvl="8" algn="l" rtl="0">
         <a:lnSpc>
           <a:spcPct val="100000"/>
         </a:lnSpc>
@@ -4912,7 +5061,7 @@
           <a:srgbClr val="000000"/>
         </a:buClr>
         <a:buFont typeface="Arial"/>
-        <a:defRPr b="0" i="0" sz="1400" u="none" cap="none" strike="noStrike">
+        <a:defRPr sz="1400" b="0" i="0" u="none" strike="noStrike" cap="none">
           <a:solidFill>
             <a:srgbClr val="000000"/>
           </a:solidFill>
@@ -4924,7 +5073,7 @@
       </a:lvl9pPr>
     </p:titleStyle>
     <p:bodyStyle>
-      <a:defPPr lvl="0" marR="0" rtl="0" algn="l">
+      <a:defPPr marR="0" lvl="0" algn="l" rtl="0">
         <a:lnSpc>
           <a:spcPct val="100000"/>
         </a:lnSpc>
@@ -4935,7 +5084,7 @@
           <a:spcPts val="0"/>
         </a:spcAft>
       </a:defPPr>
-      <a:lvl1pPr lvl="0" marR="0" rtl="0" algn="l">
+      <a:lvl1pPr marR="0" lvl="0" algn="l" rtl="0">
         <a:lnSpc>
           <a:spcPct val="100000"/>
         </a:lnSpc>
@@ -4949,7 +5098,7 @@
           <a:srgbClr val="000000"/>
         </a:buClr>
         <a:buFont typeface="Arial"/>
-        <a:defRPr b="0" i="0" sz="1400" u="none" cap="none" strike="noStrike">
+        <a:defRPr sz="1400" b="0" i="0" u="none" strike="noStrike" cap="none">
           <a:solidFill>
             <a:srgbClr val="000000"/>
           </a:solidFill>
@@ -4959,7 +5108,7 @@
           <a:sym typeface="Arial"/>
         </a:defRPr>
       </a:lvl1pPr>
-      <a:lvl2pPr lvl="1" marR="0" rtl="0" algn="l">
+      <a:lvl2pPr marR="0" lvl="1" algn="l" rtl="0">
         <a:lnSpc>
           <a:spcPct val="100000"/>
         </a:lnSpc>
@@ -4973,7 +5122,7 @@
           <a:srgbClr val="000000"/>
         </a:buClr>
         <a:buFont typeface="Arial"/>
-        <a:defRPr b="0" i="0" sz="1400" u="none" cap="none" strike="noStrike">
+        <a:defRPr sz="1400" b="0" i="0" u="none" strike="noStrike" cap="none">
           <a:solidFill>
             <a:srgbClr val="000000"/>
           </a:solidFill>
@@ -4983,7 +5132,7 @@
           <a:sym typeface="Arial"/>
         </a:defRPr>
       </a:lvl2pPr>
-      <a:lvl3pPr lvl="2" marR="0" rtl="0" algn="l">
+      <a:lvl3pPr marR="0" lvl="2" algn="l" rtl="0">
         <a:lnSpc>
           <a:spcPct val="100000"/>
         </a:lnSpc>
@@ -4997,7 +5146,7 @@
           <a:srgbClr val="000000"/>
         </a:buClr>
         <a:buFont typeface="Arial"/>
-        <a:defRPr b="0" i="0" sz="1400" u="none" cap="none" strike="noStrike">
+        <a:defRPr sz="1400" b="0" i="0" u="none" strike="noStrike" cap="none">
           <a:solidFill>
             <a:srgbClr val="000000"/>
           </a:solidFill>
@@ -5007,7 +5156,7 @@
           <a:sym typeface="Arial"/>
         </a:defRPr>
       </a:lvl3pPr>
-      <a:lvl4pPr lvl="3" marR="0" rtl="0" algn="l">
+      <a:lvl4pPr marR="0" lvl="3" algn="l" rtl="0">
         <a:lnSpc>
           <a:spcPct val="100000"/>
         </a:lnSpc>
@@ -5021,7 +5170,7 @@
           <a:srgbClr val="000000"/>
         </a:buClr>
         <a:buFont typeface="Arial"/>
-        <a:defRPr b="0" i="0" sz="1400" u="none" cap="none" strike="noStrike">
+        <a:defRPr sz="1400" b="0" i="0" u="none" strike="noStrike" cap="none">
           <a:solidFill>
             <a:srgbClr val="000000"/>
           </a:solidFill>
@@ -5031,7 +5180,7 @@
           <a:sym typeface="Arial"/>
         </a:defRPr>
       </a:lvl4pPr>
-      <a:lvl5pPr lvl="4" marR="0" rtl="0" algn="l">
+      <a:lvl5pPr marR="0" lvl="4" algn="l" rtl="0">
         <a:lnSpc>
           <a:spcPct val="100000"/>
         </a:lnSpc>
@@ -5045,7 +5194,7 @@
           <a:srgbClr val="000000"/>
         </a:buClr>
         <a:buFont typeface="Arial"/>
-        <a:defRPr b="0" i="0" sz="1400" u="none" cap="none" strike="noStrike">
+        <a:defRPr sz="1400" b="0" i="0" u="none" strike="noStrike" cap="none">
           <a:solidFill>
             <a:srgbClr val="000000"/>
           </a:solidFill>
@@ -5055,7 +5204,7 @@
           <a:sym typeface="Arial"/>
         </a:defRPr>
       </a:lvl5pPr>
-      <a:lvl6pPr lvl="5" marR="0" rtl="0" algn="l">
+      <a:lvl6pPr marR="0" lvl="5" algn="l" rtl="0">
         <a:lnSpc>
           <a:spcPct val="100000"/>
         </a:lnSpc>
@@ -5069,7 +5218,7 @@
           <a:srgbClr val="000000"/>
         </a:buClr>
         <a:buFont typeface="Arial"/>
-        <a:defRPr b="0" i="0" sz="1400" u="none" cap="none" strike="noStrike">
+        <a:defRPr sz="1400" b="0" i="0" u="none" strike="noStrike" cap="none">
           <a:solidFill>
             <a:srgbClr val="000000"/>
           </a:solidFill>
@@ -5079,7 +5228,7 @@
           <a:sym typeface="Arial"/>
         </a:defRPr>
       </a:lvl6pPr>
-      <a:lvl7pPr lvl="6" marR="0" rtl="0" algn="l">
+      <a:lvl7pPr marR="0" lvl="6" algn="l" rtl="0">
         <a:lnSpc>
           <a:spcPct val="100000"/>
         </a:lnSpc>
@@ -5093,7 +5242,7 @@
           <a:srgbClr val="000000"/>
         </a:buClr>
         <a:buFont typeface="Arial"/>
-        <a:defRPr b="0" i="0" sz="1400" u="none" cap="none" strike="noStrike">
+        <a:defRPr sz="1400" b="0" i="0" u="none" strike="noStrike" cap="none">
           <a:solidFill>
             <a:srgbClr val="000000"/>
           </a:solidFill>
@@ -5103,7 +5252,7 @@
           <a:sym typeface="Arial"/>
         </a:defRPr>
       </a:lvl7pPr>
-      <a:lvl8pPr lvl="7" marR="0" rtl="0" algn="l">
+      <a:lvl8pPr marR="0" lvl="7" algn="l" rtl="0">
         <a:lnSpc>
           <a:spcPct val="100000"/>
         </a:lnSpc>
@@ -5117,7 +5266,7 @@
           <a:srgbClr val="000000"/>
         </a:buClr>
         <a:buFont typeface="Arial"/>
-        <a:defRPr b="0" i="0" sz="1400" u="none" cap="none" strike="noStrike">
+        <a:defRPr sz="1400" b="0" i="0" u="none" strike="noStrike" cap="none">
           <a:solidFill>
             <a:srgbClr val="000000"/>
           </a:solidFill>
@@ -5127,7 +5276,7 @@
           <a:sym typeface="Arial"/>
         </a:defRPr>
       </a:lvl8pPr>
-      <a:lvl9pPr lvl="8" marR="0" rtl="0" algn="l">
+      <a:lvl9pPr marR="0" lvl="8" algn="l" rtl="0">
         <a:lnSpc>
           <a:spcPct val="100000"/>
         </a:lnSpc>
@@ -5141,7 +5290,7 @@
           <a:srgbClr val="000000"/>
         </a:buClr>
         <a:buFont typeface="Arial"/>
-        <a:defRPr b="0" i="0" sz="1400" u="none" cap="none" strike="noStrike">
+        <a:defRPr sz="1400" b="0" i="0" u="none" strike="noStrike" cap="none">
           <a:solidFill>
             <a:srgbClr val="000000"/>
           </a:solidFill>
@@ -5153,7 +5302,7 @@
       </a:lvl9pPr>
     </p:bodyStyle>
     <p:otherStyle>
-      <a:defPPr lvl="0" marR="0" rtl="0" algn="l">
+      <a:defPPr marR="0" lvl="0" algn="l" rtl="0">
         <a:lnSpc>
           <a:spcPct val="100000"/>
         </a:lnSpc>
@@ -5164,7 +5313,7 @@
           <a:spcPts val="0"/>
         </a:spcAft>
       </a:defPPr>
-      <a:lvl1pPr lvl="0" marR="0" rtl="0" algn="l">
+      <a:lvl1pPr marR="0" lvl="0" algn="l" rtl="0">
         <a:lnSpc>
           <a:spcPct val="100000"/>
         </a:lnSpc>
@@ -5178,7 +5327,7 @@
           <a:srgbClr val="000000"/>
         </a:buClr>
         <a:buFont typeface="Arial"/>
-        <a:defRPr b="0" i="0" sz="1400" u="none" cap="none" strike="noStrike">
+        <a:defRPr sz="1400" b="0" i="0" u="none" strike="noStrike" cap="none">
           <a:solidFill>
             <a:srgbClr val="000000"/>
           </a:solidFill>
@@ -5188,7 +5337,7 @@
           <a:sym typeface="Arial"/>
         </a:defRPr>
       </a:lvl1pPr>
-      <a:lvl2pPr lvl="1" marR="0" rtl="0" algn="l">
+      <a:lvl2pPr marR="0" lvl="1" algn="l" rtl="0">
         <a:lnSpc>
           <a:spcPct val="100000"/>
         </a:lnSpc>
@@ -5202,7 +5351,7 @@
           <a:srgbClr val="000000"/>
         </a:buClr>
         <a:buFont typeface="Arial"/>
-        <a:defRPr b="0" i="0" sz="1400" u="none" cap="none" strike="noStrike">
+        <a:defRPr sz="1400" b="0" i="0" u="none" strike="noStrike" cap="none">
           <a:solidFill>
             <a:srgbClr val="000000"/>
           </a:solidFill>
@@ -5212,7 +5361,7 @@
           <a:sym typeface="Arial"/>
         </a:defRPr>
       </a:lvl2pPr>
-      <a:lvl3pPr lvl="2" marR="0" rtl="0" algn="l">
+      <a:lvl3pPr marR="0" lvl="2" algn="l" rtl="0">
         <a:lnSpc>
           <a:spcPct val="100000"/>
         </a:lnSpc>
@@ -5226,7 +5375,7 @@
           <a:srgbClr val="000000"/>
         </a:buClr>
         <a:buFont typeface="Arial"/>
-        <a:defRPr b="0" i="0" sz="1400" u="none" cap="none" strike="noStrike">
+        <a:defRPr sz="1400" b="0" i="0" u="none" strike="noStrike" cap="none">
           <a:solidFill>
             <a:srgbClr val="000000"/>
           </a:solidFill>
@@ -5236,7 +5385,7 @@
           <a:sym typeface="Arial"/>
         </a:defRPr>
       </a:lvl3pPr>
-      <a:lvl4pPr lvl="3" marR="0" rtl="0" algn="l">
+      <a:lvl4pPr marR="0" lvl="3" algn="l" rtl="0">
         <a:lnSpc>
           <a:spcPct val="100000"/>
         </a:lnSpc>
@@ -5250,7 +5399,7 @@
           <a:srgbClr val="000000"/>
         </a:buClr>
         <a:buFont typeface="Arial"/>
-        <a:defRPr b="0" i="0" sz="1400" u="none" cap="none" strike="noStrike">
+        <a:defRPr sz="1400" b="0" i="0" u="none" strike="noStrike" cap="none">
           <a:solidFill>
             <a:srgbClr val="000000"/>
           </a:solidFill>
@@ -5260,7 +5409,7 @@
           <a:sym typeface="Arial"/>
         </a:defRPr>
       </a:lvl4pPr>
-      <a:lvl5pPr lvl="4" marR="0" rtl="0" algn="l">
+      <a:lvl5pPr marR="0" lvl="4" algn="l" rtl="0">
         <a:lnSpc>
           <a:spcPct val="100000"/>
         </a:lnSpc>
@@ -5274,7 +5423,7 @@
           <a:srgbClr val="000000"/>
         </a:buClr>
         <a:buFont typeface="Arial"/>
-        <a:defRPr b="0" i="0" sz="1400" u="none" cap="none" strike="noStrike">
+        <a:defRPr sz="1400" b="0" i="0" u="none" strike="noStrike" cap="none">
           <a:solidFill>
             <a:srgbClr val="000000"/>
           </a:solidFill>
@@ -5284,7 +5433,7 @@
           <a:sym typeface="Arial"/>
         </a:defRPr>
       </a:lvl5pPr>
-      <a:lvl6pPr lvl="5" marR="0" rtl="0" algn="l">
+      <a:lvl6pPr marR="0" lvl="5" algn="l" rtl="0">
         <a:lnSpc>
           <a:spcPct val="100000"/>
         </a:lnSpc>
@@ -5298,7 +5447,7 @@
           <a:srgbClr val="000000"/>
         </a:buClr>
         <a:buFont typeface="Arial"/>
-        <a:defRPr b="0" i="0" sz="1400" u="none" cap="none" strike="noStrike">
+        <a:defRPr sz="1400" b="0" i="0" u="none" strike="noStrike" cap="none">
           <a:solidFill>
             <a:srgbClr val="000000"/>
           </a:solidFill>
@@ -5308,7 +5457,7 @@
           <a:sym typeface="Arial"/>
         </a:defRPr>
       </a:lvl6pPr>
-      <a:lvl7pPr lvl="6" marR="0" rtl="0" algn="l">
+      <a:lvl7pPr marR="0" lvl="6" algn="l" rtl="0">
         <a:lnSpc>
           <a:spcPct val="100000"/>
         </a:lnSpc>
@@ -5322,7 +5471,7 @@
           <a:srgbClr val="000000"/>
         </a:buClr>
         <a:buFont typeface="Arial"/>
-        <a:defRPr b="0" i="0" sz="1400" u="none" cap="none" strike="noStrike">
+        <a:defRPr sz="1400" b="0" i="0" u="none" strike="noStrike" cap="none">
           <a:solidFill>
             <a:srgbClr val="000000"/>
           </a:solidFill>
@@ -5332,7 +5481,7 @@
           <a:sym typeface="Arial"/>
         </a:defRPr>
       </a:lvl7pPr>
-      <a:lvl8pPr lvl="7" marR="0" rtl="0" algn="l">
+      <a:lvl8pPr marR="0" lvl="7" algn="l" rtl="0">
         <a:lnSpc>
           <a:spcPct val="100000"/>
         </a:lnSpc>
@@ -5346,7 +5495,7 @@
           <a:srgbClr val="000000"/>
         </a:buClr>
         <a:buFont typeface="Arial"/>
-        <a:defRPr b="0" i="0" sz="1400" u="none" cap="none" strike="noStrike">
+        <a:defRPr sz="1400" b="0" i="0" u="none" strike="noStrike" cap="none">
           <a:solidFill>
             <a:srgbClr val="000000"/>
           </a:solidFill>
@@ -5356,7 +5505,7 @@
           <a:sym typeface="Arial"/>
         </a:defRPr>
       </a:lvl8pPr>
-      <a:lvl9pPr lvl="8" marR="0" rtl="0" algn="l">
+      <a:lvl9pPr marR="0" lvl="8" algn="l" rtl="0">
         <a:lnSpc>
           <a:spcPct val="100000"/>
         </a:lnSpc>
@@ -5370,7 +5519,7 @@
           <a:srgbClr val="000000"/>
         </a:buClr>
         <a:buFont typeface="Arial"/>
-        <a:defRPr b="0" i="0" sz="1400" u="none" cap="none" strike="noStrike">
+        <a:defRPr sz="1400" b="0" i="0" u="none" strike="noStrike" cap="none">
           <a:solidFill>
             <a:srgbClr val="000000"/>
           </a:solidFill>
@@ -5386,11 +5535,11 @@
 </file>
 
 <file path=ppt/slides/slide1.xml><?xml version="1.0" encoding="utf-8"?>
-<p:sld xmlns:a="http://schemas.openxmlformats.org/drawingml/2006/main" xmlns:r="http://schemas.openxmlformats.org/officeDocument/2006/relationships" xmlns:mc="http://schemas.openxmlformats.org/markup-compatibility/2006" xmlns:mv="urn:schemas-microsoft-com:mac:vml" xmlns:p="http://schemas.openxmlformats.org/presentationml/2006/main" xmlns:c="http://schemas.openxmlformats.org/drawingml/2006/chart" xmlns:dgm="http://schemas.openxmlformats.org/drawingml/2006/diagram" xmlns:o="urn:schemas-microsoft-com:office:office" xmlns:v="urn:schemas-microsoft-com:vml" xmlns:pvml="urn:schemas-microsoft-com:office:powerpoint" xmlns:com="http://schemas.openxmlformats.org/drawingml/2006/compatibility" xmlns:p14="http://schemas.microsoft.com/office/powerpoint/2010/main" xmlns:p15="http://schemas.microsoft.com/office/powerpoint/2012/main">
+<p:sld xmlns:a="http://schemas.openxmlformats.org/drawingml/2006/main" xmlns:r="http://schemas.openxmlformats.org/officeDocument/2006/relationships" xmlns:p="http://schemas.openxmlformats.org/presentationml/2006/main">
   <p:cSld>
     <p:spTree>
       <p:nvGrpSpPr>
-        <p:cNvPr id="53" name="Shape 53"/>
+        <p:cNvPr id="1" name="Shape 53"/>
         <p:cNvGrpSpPr/>
         <p:nvPr/>
       </p:nvGrpSpPr>
@@ -5405,7 +5554,9 @@
       <p:sp>
         <p:nvSpPr>
           <p:cNvPr id="54" name="Google Shape;54;p13"/>
-          <p:cNvSpPr txBox="1"/>
+          <p:cNvSpPr txBox="1">
+            <a:spLocks noGrp="1"/>
+          </p:cNvSpPr>
           <p:nvPr>
             <p:ph type="title"/>
           </p:nvPr>
@@ -5420,12 +5571,12 @@
           </a:prstGeom>
         </p:spPr>
         <p:txBody>
-          <a:bodyPr anchorCtr="0" anchor="t" bIns="91425" lIns="91425" spcFirstLastPara="1" rIns="91425" wrap="square" tIns="91425">
+          <a:bodyPr spcFirstLastPara="1" wrap="square" lIns="91425" tIns="91425" rIns="91425" bIns="91425" anchor="t" anchorCtr="0">
             <a:noAutofit/>
           </a:bodyPr>
           <a:lstStyle/>
           <a:p>
-            <a:pPr indent="0" lvl="0" marL="0" rtl="0" algn="ctr">
+            <a:pPr marL="0" lvl="0" indent="0" algn="ctr" rtl="0">
               <a:spcBef>
                 <a:spcPts val="0"/>
               </a:spcBef>
@@ -5435,7 +5586,7 @@
               <a:buNone/>
             </a:pPr>
             <a:r>
-              <a:rPr b="1" lang="en">
+              <a:rPr lang="en" b="1">
                 <a:latin typeface="Raleway"/>
                 <a:ea typeface="Raleway"/>
                 <a:cs typeface="Raleway"/>
@@ -5455,9 +5606,11 @@
       <p:sp>
         <p:nvSpPr>
           <p:cNvPr id="55" name="Google Shape;55;p13"/>
-          <p:cNvSpPr txBox="1"/>
+          <p:cNvSpPr txBox="1">
+            <a:spLocks noGrp="1"/>
+          </p:cNvSpPr>
           <p:nvPr>
-            <p:ph idx="1" type="body"/>
+            <p:ph type="body" idx="1"/>
           </p:nvPr>
         </p:nvSpPr>
         <p:spPr>
@@ -5470,12 +5623,12 @@
           </a:prstGeom>
         </p:spPr>
         <p:txBody>
-          <a:bodyPr anchorCtr="0" anchor="t" bIns="91425" lIns="91425" spcFirstLastPara="1" rIns="91425" wrap="square" tIns="91425">
+          <a:bodyPr spcFirstLastPara="1" wrap="square" lIns="91425" tIns="91425" rIns="91425" bIns="91425" anchor="t" anchorCtr="0">
             <a:noAutofit/>
           </a:bodyPr>
           <a:lstStyle/>
           <a:p>
-            <a:pPr indent="0" lvl="0" marL="0" rtl="0" algn="l">
+            <a:pPr marL="0" lvl="0" indent="0" algn="l" rtl="0">
               <a:lnSpc>
                 <a:spcPct val="100000"/>
               </a:lnSpc>
@@ -5515,7 +5668,9 @@
       <p:sp>
         <p:nvSpPr>
           <p:cNvPr id="56" name="Google Shape;56;p13"/>
-          <p:cNvSpPr txBox="1"/>
+          <p:cNvSpPr txBox="1">
+            <a:spLocks noGrp="1"/>
+          </p:cNvSpPr>
           <p:nvPr>
             <p:ph type="title"/>
           </p:nvPr>
@@ -5530,30 +5685,40 @@
           </a:prstGeom>
         </p:spPr>
         <p:txBody>
-          <a:bodyPr anchorCtr="0" anchor="t" bIns="91425" lIns="91425" spcFirstLastPara="1" rIns="91425" wrap="square" tIns="91425">
+          <a:bodyPr spcFirstLastPara="1" wrap="square" lIns="91425" tIns="91425" rIns="91425" bIns="91425" anchor="t" anchorCtr="0">
             <a:noAutofit/>
           </a:bodyPr>
           <a:lstStyle/>
           <a:p>
-            <a:pPr indent="0" lvl="0" marL="0" rtl="0" algn="ctr">
-              <a:spcBef>
-                <a:spcPts val="0"/>
-              </a:spcBef>
-              <a:spcAft>
-                <a:spcPts val="0"/>
-              </a:spcAft>
-              <a:buNone/>
-            </a:pPr>
+            <a:pPr lvl="0" algn="ctr"/>
             <a:r>
-              <a:rPr b="1" lang="en" sz="1400">
+              <a:rPr lang="en" sz="1400" b="1" dirty="0">
                 <a:latin typeface="Raleway"/>
                 <a:ea typeface="Raleway"/>
                 <a:cs typeface="Raleway"/>
                 <a:sym typeface="Raleway"/>
               </a:rPr>
-              <a:t>(Isabelle Carson, Sanya Nijhawan, and Evelyn Huang, 2018)</a:t>
+              <a:t>Isabelle Carson, Evelyn Huang, </a:t>
             </a:r>
-            <a:endParaRPr b="1" sz="1400">
+            <a:r>
+              <a:rPr lang="en-US" sz="1400" b="1" dirty="0">
+                <a:latin typeface="Raleway"/>
+                <a:ea typeface="Raleway"/>
+                <a:cs typeface="Raleway"/>
+                <a:sym typeface="Raleway"/>
+              </a:rPr>
+              <a:t>and </a:t>
+            </a:r>
+            <a:r>
+              <a:rPr lang="en" sz="1400" b="1" dirty="0">
+                <a:latin typeface="Raleway"/>
+                <a:ea typeface="Raleway"/>
+                <a:cs typeface="Raleway"/>
+                <a:sym typeface="Raleway"/>
+              </a:rPr>
+              <a:t>Sanya Nijhawan (2018)</a:t>
+            </a:r>
+            <a:endParaRPr sz="1400" b="1" dirty="0">
               <a:latin typeface="Raleway"/>
               <a:ea typeface="Raleway"/>
               <a:cs typeface="Raleway"/>
@@ -5685,7 +5850,288 @@
 </file>
 
 <file path=ppt/theme/theme1.xml><?xml version="1.0" encoding="utf-8"?>
-<a:theme xmlns:a="http://schemas.openxmlformats.org/drawingml/2006/main" xmlns:r="http://schemas.openxmlformats.org/officeDocument/2006/relationships">
+<a:theme xmlns:a="http://schemas.openxmlformats.org/drawingml/2006/main" name="Simple Light">
+  <a:themeElements>
+    <a:clrScheme name="Simple Light">
+      <a:dk1>
+        <a:srgbClr val="000000"/>
+      </a:dk1>
+      <a:lt1>
+        <a:srgbClr val="FFFFFF"/>
+      </a:lt1>
+      <a:dk2>
+        <a:srgbClr val="595959"/>
+      </a:dk2>
+      <a:lt2>
+        <a:srgbClr val="EEEEEE"/>
+      </a:lt2>
+      <a:accent1>
+        <a:srgbClr val="FFAB40"/>
+      </a:accent1>
+      <a:accent2>
+        <a:srgbClr val="212121"/>
+      </a:accent2>
+      <a:accent3>
+        <a:srgbClr val="78909C"/>
+      </a:accent3>
+      <a:accent4>
+        <a:srgbClr val="FFAB40"/>
+      </a:accent4>
+      <a:accent5>
+        <a:srgbClr val="0097A7"/>
+      </a:accent5>
+      <a:accent6>
+        <a:srgbClr val="EEFF41"/>
+      </a:accent6>
+      <a:hlink>
+        <a:srgbClr val="0097A7"/>
+      </a:hlink>
+      <a:folHlink>
+        <a:srgbClr val="0097A7"/>
+      </a:folHlink>
+    </a:clrScheme>
+    <a:fontScheme name="Office">
+      <a:majorFont>
+        <a:latin typeface="Arial"/>
+        <a:ea typeface=""/>
+        <a:cs typeface=""/>
+        <a:font script="Jpan" typeface="ＭＳ Ｐゴシック"/>
+        <a:font script="Hang" typeface="맑은 고딕"/>
+        <a:font script="Hans" typeface="宋体"/>
+        <a:font script="Hant" typeface="新細明體"/>
+        <a:font script="Arab" typeface="Times New Roman"/>
+        <a:font script="Hebr" typeface="Times New Roman"/>
+        <a:font script="Thai" typeface="Angsana New"/>
+        <a:font script="Ethi" typeface="Nyala"/>
+        <a:font script="Beng" typeface="Vrinda"/>
+        <a:font script="Gujr" typeface="Shruti"/>
+        <a:font script="Khmr" typeface="MoolBoran"/>
+        <a:font script="Knda" typeface="Tunga"/>
+        <a:font script="Guru" typeface="Raavi"/>
+        <a:font script="Cans" typeface="Euphemia"/>
+        <a:font script="Cher" typeface="Plantagenet Cherokee"/>
+        <a:font script="Yiii" typeface="Microsoft Yi Baiti"/>
+        <a:font script="Tibt" typeface="Microsoft Himalaya"/>
+        <a:font script="Thaa" typeface="MV Boli"/>
+        <a:font script="Deva" typeface="Mangal"/>
+        <a:font script="Telu" typeface="Gautami"/>
+        <a:font script="Taml" typeface="Latha"/>
+        <a:font script="Syrc" typeface="Estrangelo Edessa"/>
+        <a:font script="Orya" typeface="Kalinga"/>
+        <a:font script="Mlym" typeface="Kartika"/>
+        <a:font script="Laoo" typeface="DokChampa"/>
+        <a:font script="Sinh" typeface="Iskoola Pota"/>
+        <a:font script="Mong" typeface="Mongolian Baiti"/>
+        <a:font script="Viet" typeface="Times New Roman"/>
+        <a:font script="Uigh" typeface="Microsoft Uighur"/>
+        <a:font script="Geor" typeface="Sylfaen"/>
+      </a:majorFont>
+      <a:minorFont>
+        <a:latin typeface="Arial"/>
+        <a:ea typeface=""/>
+        <a:cs typeface=""/>
+        <a:font script="Jpan" typeface="ＭＳ Ｐゴシック"/>
+        <a:font script="Hang" typeface="맑은 고딕"/>
+        <a:font script="Hans" typeface="宋体"/>
+        <a:font script="Hant" typeface="新細明體"/>
+        <a:font script="Arab" typeface="Arial"/>
+        <a:font script="Hebr" typeface="Arial"/>
+        <a:font script="Thai" typeface="Cordia New"/>
+        <a:font script="Ethi" typeface="Nyala"/>
+        <a:font script="Beng" typeface="Vrinda"/>
+        <a:font script="Gujr" typeface="Shruti"/>
+        <a:font script="Khmr" typeface="DaunPenh"/>
+        <a:font script="Knda" typeface="Tunga"/>
+        <a:font script="Guru" typeface="Raavi"/>
+        <a:font script="Cans" typeface="Euphemia"/>
+        <a:font script="Cher" typeface="Plantagenet Cherokee"/>
+        <a:font script="Yiii" typeface="Microsoft Yi Baiti"/>
+        <a:font script="Tibt" typeface="Microsoft Himalaya"/>
+        <a:font script="Thaa" typeface="MV Boli"/>
+        <a:font script="Deva" typeface="Mangal"/>
+        <a:font script="Telu" typeface="Gautami"/>
+        <a:font script="Taml" typeface="Latha"/>
+        <a:font script="Syrc" typeface="Estrangelo Edessa"/>
+        <a:font script="Orya" typeface="Kalinga"/>
+        <a:font script="Mlym" typeface="Kartika"/>
+        <a:font script="Laoo" typeface="DokChampa"/>
+        <a:font script="Sinh" typeface="Iskoola Pota"/>
+        <a:font script="Mong" typeface="Mongolian Baiti"/>
+        <a:font script="Viet" typeface="Arial"/>
+        <a:font script="Uigh" typeface="Microsoft Uighur"/>
+        <a:font script="Geor" typeface="Sylfaen"/>
+      </a:minorFont>
+    </a:fontScheme>
+    <a:fmtScheme name="Office">
+      <a:fillStyleLst>
+        <a:solidFill>
+          <a:schemeClr val="phClr"/>
+        </a:solidFill>
+        <a:gradFill rotWithShape="1">
+          <a:gsLst>
+            <a:gs pos="0">
+              <a:schemeClr val="phClr">
+                <a:tint val="50000"/>
+                <a:satMod val="300000"/>
+              </a:schemeClr>
+            </a:gs>
+            <a:gs pos="35000">
+              <a:schemeClr val="phClr">
+                <a:tint val="37000"/>
+                <a:satMod val="300000"/>
+              </a:schemeClr>
+            </a:gs>
+            <a:gs pos="100000">
+              <a:schemeClr val="phClr">
+                <a:tint val="15000"/>
+                <a:satMod val="350000"/>
+              </a:schemeClr>
+            </a:gs>
+          </a:gsLst>
+          <a:lin ang="16200000" scaled="1"/>
+        </a:gradFill>
+        <a:gradFill rotWithShape="1">
+          <a:gsLst>
+            <a:gs pos="0">
+              <a:schemeClr val="phClr">
+                <a:tint val="100000"/>
+                <a:shade val="100000"/>
+                <a:satMod val="130000"/>
+              </a:schemeClr>
+            </a:gs>
+            <a:gs pos="100000">
+              <a:schemeClr val="phClr">
+                <a:tint val="50000"/>
+                <a:shade val="100000"/>
+                <a:satMod val="350000"/>
+              </a:schemeClr>
+            </a:gs>
+          </a:gsLst>
+          <a:lin ang="16200000" scaled="0"/>
+        </a:gradFill>
+      </a:fillStyleLst>
+      <a:lnStyleLst>
+        <a:ln w="9525" cap="flat" cmpd="sng" algn="ctr">
+          <a:solidFill>
+            <a:schemeClr val="phClr">
+              <a:shade val="95000"/>
+              <a:satMod val="105000"/>
+            </a:schemeClr>
+          </a:solidFill>
+          <a:prstDash val="solid"/>
+        </a:ln>
+        <a:ln w="25400" cap="flat" cmpd="sng" algn="ctr">
+          <a:solidFill>
+            <a:schemeClr val="phClr"/>
+          </a:solidFill>
+          <a:prstDash val="solid"/>
+        </a:ln>
+        <a:ln w="38100" cap="flat" cmpd="sng" algn="ctr">
+          <a:solidFill>
+            <a:schemeClr val="phClr"/>
+          </a:solidFill>
+          <a:prstDash val="solid"/>
+        </a:ln>
+      </a:lnStyleLst>
+      <a:effectStyleLst>
+        <a:effectStyle>
+          <a:effectLst>
+            <a:outerShdw blurRad="40000" dist="20000" dir="5400000" rotWithShape="0">
+              <a:srgbClr val="000000">
+                <a:alpha val="38000"/>
+              </a:srgbClr>
+            </a:outerShdw>
+          </a:effectLst>
+        </a:effectStyle>
+        <a:effectStyle>
+          <a:effectLst>
+            <a:outerShdw blurRad="40000" dist="23000" dir="5400000" rotWithShape="0">
+              <a:srgbClr val="000000">
+                <a:alpha val="35000"/>
+              </a:srgbClr>
+            </a:outerShdw>
+          </a:effectLst>
+        </a:effectStyle>
+        <a:effectStyle>
+          <a:effectLst>
+            <a:outerShdw blurRad="40000" dist="23000" dir="5400000" rotWithShape="0">
+              <a:srgbClr val="000000">
+                <a:alpha val="35000"/>
+              </a:srgbClr>
+            </a:outerShdw>
+          </a:effectLst>
+          <a:scene3d>
+            <a:camera prst="orthographicFront">
+              <a:rot lat="0" lon="0" rev="0"/>
+            </a:camera>
+            <a:lightRig rig="threePt" dir="t">
+              <a:rot lat="0" lon="0" rev="1200000"/>
+            </a:lightRig>
+          </a:scene3d>
+          <a:sp3d>
+            <a:bevelT w="63500" h="25400"/>
+          </a:sp3d>
+        </a:effectStyle>
+      </a:effectStyleLst>
+      <a:bgFillStyleLst>
+        <a:solidFill>
+          <a:schemeClr val="phClr"/>
+        </a:solidFill>
+        <a:gradFill rotWithShape="1">
+          <a:gsLst>
+            <a:gs pos="0">
+              <a:schemeClr val="phClr">
+                <a:tint val="40000"/>
+                <a:satMod val="350000"/>
+              </a:schemeClr>
+            </a:gs>
+            <a:gs pos="40000">
+              <a:schemeClr val="phClr">
+                <a:tint val="45000"/>
+                <a:shade val="99000"/>
+                <a:satMod val="350000"/>
+              </a:schemeClr>
+            </a:gs>
+            <a:gs pos="100000">
+              <a:schemeClr val="phClr">
+                <a:shade val="20000"/>
+                <a:satMod val="255000"/>
+              </a:schemeClr>
+            </a:gs>
+          </a:gsLst>
+          <a:path path="circle">
+            <a:fillToRect l="50000" t="-80000" r="50000" b="180000"/>
+          </a:path>
+        </a:gradFill>
+        <a:gradFill rotWithShape="1">
+          <a:gsLst>
+            <a:gs pos="0">
+              <a:schemeClr val="phClr">
+                <a:tint val="80000"/>
+                <a:satMod val="300000"/>
+              </a:schemeClr>
+            </a:gs>
+            <a:gs pos="100000">
+              <a:schemeClr val="phClr">
+                <a:shade val="30000"/>
+                <a:satMod val="200000"/>
+              </a:schemeClr>
+            </a:gs>
+          </a:gsLst>
+          <a:path path="circle">
+            <a:fillToRect l="50000" t="50000" r="50000" b="50000"/>
+          </a:path>
+        </a:gradFill>
+      </a:bgFillStyleLst>
+    </a:fmtScheme>
+  </a:themeElements>
+  <a:objectDefaults/>
+  <a:extraClrSchemeLst/>
+</a:theme>
+</file>
+
+<file path=ppt/theme/theme2.xml><?xml version="1.0" encoding="utf-8"?>
+<a:theme xmlns:a="http://schemas.openxmlformats.org/drawingml/2006/main">
   <a:themeElements>
     <a:clrScheme name="Default">
       <a:dk1>
@@ -5960,284 +6406,7 @@
       </a:bgFillStyleLst>
     </a:fmtScheme>
   </a:themeElements>
-</a:theme>
-</file>
-
-<file path=ppt/theme/theme2.xml><?xml version="1.0" encoding="utf-8"?>
-<a:theme xmlns:a="http://schemas.openxmlformats.org/drawingml/2006/main" xmlns:r="http://schemas.openxmlformats.org/officeDocument/2006/relationships" name="Simple Light">
-  <a:themeElements>
-    <a:clrScheme name="Simple Light">
-      <a:dk1>
-        <a:srgbClr val="000000"/>
-      </a:dk1>
-      <a:lt1>
-        <a:srgbClr val="FFFFFF"/>
-      </a:lt1>
-      <a:dk2>
-        <a:srgbClr val="595959"/>
-      </a:dk2>
-      <a:lt2>
-        <a:srgbClr val="EEEEEE"/>
-      </a:lt2>
-      <a:accent1>
-        <a:srgbClr val="FFAB40"/>
-      </a:accent1>
-      <a:accent2>
-        <a:srgbClr val="212121"/>
-      </a:accent2>
-      <a:accent3>
-        <a:srgbClr val="78909C"/>
-      </a:accent3>
-      <a:accent4>
-        <a:srgbClr val="FFAB40"/>
-      </a:accent4>
-      <a:accent5>
-        <a:srgbClr val="0097A7"/>
-      </a:accent5>
-      <a:accent6>
-        <a:srgbClr val="EEFF41"/>
-      </a:accent6>
-      <a:hlink>
-        <a:srgbClr val="0097A7"/>
-      </a:hlink>
-      <a:folHlink>
-        <a:srgbClr val="0097A7"/>
-      </a:folHlink>
-    </a:clrScheme>
-    <a:fontScheme name="Office">
-      <a:majorFont>
-        <a:latin typeface="Arial"/>
-        <a:ea typeface=""/>
-        <a:cs typeface=""/>
-        <a:font script="Jpan" typeface="ＭＳ Ｐゴシック"/>
-        <a:font script="Hang" typeface="맑은 고딕"/>
-        <a:font script="Hans" typeface="宋体"/>
-        <a:font script="Hant" typeface="新細明體"/>
-        <a:font script="Arab" typeface="Times New Roman"/>
-        <a:font script="Hebr" typeface="Times New Roman"/>
-        <a:font script="Thai" typeface="Angsana New"/>
-        <a:font script="Ethi" typeface="Nyala"/>
-        <a:font script="Beng" typeface="Vrinda"/>
-        <a:font script="Gujr" typeface="Shruti"/>
-        <a:font script="Khmr" typeface="MoolBoran"/>
-        <a:font script="Knda" typeface="Tunga"/>
-        <a:font script="Guru" typeface="Raavi"/>
-        <a:font script="Cans" typeface="Euphemia"/>
-        <a:font script="Cher" typeface="Plantagenet Cherokee"/>
-        <a:font script="Yiii" typeface="Microsoft Yi Baiti"/>
-        <a:font script="Tibt" typeface="Microsoft Himalaya"/>
-        <a:font script="Thaa" typeface="MV Boli"/>
-        <a:font script="Deva" typeface="Mangal"/>
-        <a:font script="Telu" typeface="Gautami"/>
-        <a:font script="Taml" typeface="Latha"/>
-        <a:font script="Syrc" typeface="Estrangelo Edessa"/>
-        <a:font script="Orya" typeface="Kalinga"/>
-        <a:font script="Mlym" typeface="Kartika"/>
-        <a:font script="Laoo" typeface="DokChampa"/>
-        <a:font script="Sinh" typeface="Iskoola Pota"/>
-        <a:font script="Mong" typeface="Mongolian Baiti"/>
-        <a:font script="Viet" typeface="Times New Roman"/>
-        <a:font script="Uigh" typeface="Microsoft Uighur"/>
-        <a:font script="Geor" typeface="Sylfaen"/>
-      </a:majorFont>
-      <a:minorFont>
-        <a:latin typeface="Arial"/>
-        <a:ea typeface=""/>
-        <a:cs typeface=""/>
-        <a:font script="Jpan" typeface="ＭＳ Ｐゴシック"/>
-        <a:font script="Hang" typeface="맑은 고딕"/>
-        <a:font script="Hans" typeface="宋体"/>
-        <a:font script="Hant" typeface="新細明體"/>
-        <a:font script="Arab" typeface="Arial"/>
-        <a:font script="Hebr" typeface="Arial"/>
-        <a:font script="Thai" typeface="Cordia New"/>
-        <a:font script="Ethi" typeface="Nyala"/>
-        <a:font script="Beng" typeface="Vrinda"/>
-        <a:font script="Gujr" typeface="Shruti"/>
-        <a:font script="Khmr" typeface="DaunPenh"/>
-        <a:font script="Knda" typeface="Tunga"/>
-        <a:font script="Guru" typeface="Raavi"/>
-        <a:font script="Cans" typeface="Euphemia"/>
-        <a:font script="Cher" typeface="Plantagenet Cherokee"/>
-        <a:font script="Yiii" typeface="Microsoft Yi Baiti"/>
-        <a:font script="Tibt" typeface="Microsoft Himalaya"/>
-        <a:font script="Thaa" typeface="MV Boli"/>
-        <a:font script="Deva" typeface="Mangal"/>
-        <a:font script="Telu" typeface="Gautami"/>
-        <a:font script="Taml" typeface="Latha"/>
-        <a:font script="Syrc" typeface="Estrangelo Edessa"/>
-        <a:font script="Orya" typeface="Kalinga"/>
-        <a:font script="Mlym" typeface="Kartika"/>
-        <a:font script="Laoo" typeface="DokChampa"/>
-        <a:font script="Sinh" typeface="Iskoola Pota"/>
-        <a:font script="Mong" typeface="Mongolian Baiti"/>
-        <a:font script="Viet" typeface="Arial"/>
-        <a:font script="Uigh" typeface="Microsoft Uighur"/>
-        <a:font script="Geor" typeface="Sylfaen"/>
-      </a:minorFont>
-    </a:fontScheme>
-    <a:fmtScheme name="Office">
-      <a:fillStyleLst>
-        <a:solidFill>
-          <a:schemeClr val="phClr"/>
-        </a:solidFill>
-        <a:gradFill rotWithShape="1">
-          <a:gsLst>
-            <a:gs pos="0">
-              <a:schemeClr val="phClr">
-                <a:tint val="50000"/>
-                <a:satMod val="300000"/>
-              </a:schemeClr>
-            </a:gs>
-            <a:gs pos="35000">
-              <a:schemeClr val="phClr">
-                <a:tint val="37000"/>
-                <a:satMod val="300000"/>
-              </a:schemeClr>
-            </a:gs>
-            <a:gs pos="100000">
-              <a:schemeClr val="phClr">
-                <a:tint val="15000"/>
-                <a:satMod val="350000"/>
-              </a:schemeClr>
-            </a:gs>
-          </a:gsLst>
-          <a:lin ang="16200000" scaled="1"/>
-        </a:gradFill>
-        <a:gradFill rotWithShape="1">
-          <a:gsLst>
-            <a:gs pos="0">
-              <a:schemeClr val="phClr">
-                <a:tint val="100000"/>
-                <a:shade val="100000"/>
-                <a:satMod val="130000"/>
-              </a:schemeClr>
-            </a:gs>
-            <a:gs pos="100000">
-              <a:schemeClr val="phClr">
-                <a:tint val="50000"/>
-                <a:shade val="100000"/>
-                <a:satMod val="350000"/>
-              </a:schemeClr>
-            </a:gs>
-          </a:gsLst>
-          <a:lin ang="16200000" scaled="0"/>
-        </a:gradFill>
-      </a:fillStyleLst>
-      <a:lnStyleLst>
-        <a:ln w="9525" cap="flat" cmpd="sng" algn="ctr">
-          <a:solidFill>
-            <a:schemeClr val="phClr">
-              <a:shade val="95000"/>
-              <a:satMod val="105000"/>
-            </a:schemeClr>
-          </a:solidFill>
-          <a:prstDash val="solid"/>
-        </a:ln>
-        <a:ln w="25400" cap="flat" cmpd="sng" algn="ctr">
-          <a:solidFill>
-            <a:schemeClr val="phClr"/>
-          </a:solidFill>
-          <a:prstDash val="solid"/>
-        </a:ln>
-        <a:ln w="38100" cap="flat" cmpd="sng" algn="ctr">
-          <a:solidFill>
-            <a:schemeClr val="phClr"/>
-          </a:solidFill>
-          <a:prstDash val="solid"/>
-        </a:ln>
-      </a:lnStyleLst>
-      <a:effectStyleLst>
-        <a:effectStyle>
-          <a:effectLst>
-            <a:outerShdw blurRad="40000" dist="20000" dir="5400000" rotWithShape="0">
-              <a:srgbClr val="000000">
-                <a:alpha val="38000"/>
-              </a:srgbClr>
-            </a:outerShdw>
-          </a:effectLst>
-        </a:effectStyle>
-        <a:effectStyle>
-          <a:effectLst>
-            <a:outerShdw blurRad="40000" dist="23000" dir="5400000" rotWithShape="0">
-              <a:srgbClr val="000000">
-                <a:alpha val="35000"/>
-              </a:srgbClr>
-            </a:outerShdw>
-          </a:effectLst>
-        </a:effectStyle>
-        <a:effectStyle>
-          <a:effectLst>
-            <a:outerShdw blurRad="40000" dist="23000" dir="5400000" rotWithShape="0">
-              <a:srgbClr val="000000">
-                <a:alpha val="35000"/>
-              </a:srgbClr>
-            </a:outerShdw>
-          </a:effectLst>
-          <a:scene3d>
-            <a:camera prst="orthographicFront">
-              <a:rot lat="0" lon="0" rev="0"/>
-            </a:camera>
-            <a:lightRig rig="threePt" dir="t">
-              <a:rot lat="0" lon="0" rev="1200000"/>
-            </a:lightRig>
-          </a:scene3d>
-          <a:sp3d>
-            <a:bevelT w="63500" h="25400"/>
-          </a:sp3d>
-        </a:effectStyle>
-      </a:effectStyleLst>
-      <a:bgFillStyleLst>
-        <a:solidFill>
-          <a:schemeClr val="phClr"/>
-        </a:solidFill>
-        <a:gradFill rotWithShape="1">
-          <a:gsLst>
-            <a:gs pos="0">
-              <a:schemeClr val="phClr">
-                <a:tint val="40000"/>
-                <a:satMod val="350000"/>
-              </a:schemeClr>
-            </a:gs>
-            <a:gs pos="40000">
-              <a:schemeClr val="phClr">
-                <a:tint val="45000"/>
-                <a:shade val="99000"/>
-                <a:satMod val="350000"/>
-              </a:schemeClr>
-            </a:gs>
-            <a:gs pos="100000">
-              <a:schemeClr val="phClr">
-                <a:shade val="20000"/>
-                <a:satMod val="255000"/>
-              </a:schemeClr>
-            </a:gs>
-          </a:gsLst>
-          <a:path path="circle">
-            <a:fillToRect l="50000" t="-80000" r="50000" b="180000"/>
-          </a:path>
-        </a:gradFill>
-        <a:gradFill rotWithShape="1">
-          <a:gsLst>
-            <a:gs pos="0">
-              <a:schemeClr val="phClr">
-                <a:tint val="80000"/>
-                <a:satMod val="300000"/>
-              </a:schemeClr>
-            </a:gs>
-            <a:gs pos="100000">
-              <a:schemeClr val="phClr">
-                <a:shade val="30000"/>
-                <a:satMod val="200000"/>
-              </a:schemeClr>
-            </a:gs>
-          </a:gsLst>
-          <a:path path="circle">
-            <a:fillToRect l="50000" t="50000" r="50000" b="50000"/>
-          </a:path>
-        </a:gradFill>
-      </a:bgFillStyleLst>
-    </a:fmtScheme>
-  </a:themeElements>
+  <a:objectDefaults/>
+  <a:extraClrSchemeLst/>
 </a:theme>
 </file>